--- a/SA.pptx
+++ b/SA.pptx
@@ -5,31 +5,33 @@
     <p:sldMasterId id="2147483952" r:id="rId1"/>
   </p:sldMasterIdLst>
   <p:notesMasterIdLst>
-    <p:notesMasterId r:id="rId24"/>
+    <p:notesMasterId r:id="rId26"/>
   </p:notesMasterIdLst>
   <p:sldIdLst>
     <p:sldId id="256" r:id="rId2"/>
-    <p:sldId id="258" r:id="rId3"/>
-    <p:sldId id="260" r:id="rId4"/>
-    <p:sldId id="266" r:id="rId5"/>
-    <p:sldId id="267" r:id="rId6"/>
-    <p:sldId id="265" r:id="rId7"/>
-    <p:sldId id="269" r:id="rId8"/>
-    <p:sldId id="270" r:id="rId9"/>
-    <p:sldId id="271" r:id="rId10"/>
-    <p:sldId id="272" r:id="rId11"/>
-    <p:sldId id="274" r:id="rId12"/>
-    <p:sldId id="275" r:id="rId13"/>
-    <p:sldId id="279" r:id="rId14"/>
-    <p:sldId id="280" r:id="rId15"/>
-    <p:sldId id="282" r:id="rId16"/>
-    <p:sldId id="283" r:id="rId17"/>
-    <p:sldId id="287" r:id="rId18"/>
-    <p:sldId id="288" r:id="rId19"/>
-    <p:sldId id="289" r:id="rId20"/>
-    <p:sldId id="290" r:id="rId21"/>
-    <p:sldId id="291" r:id="rId22"/>
-    <p:sldId id="292" r:id="rId23"/>
+    <p:sldId id="294" r:id="rId3"/>
+    <p:sldId id="293" r:id="rId4"/>
+    <p:sldId id="258" r:id="rId5"/>
+    <p:sldId id="266" r:id="rId6"/>
+    <p:sldId id="267" r:id="rId7"/>
+    <p:sldId id="295" r:id="rId8"/>
+    <p:sldId id="269" r:id="rId9"/>
+    <p:sldId id="270" r:id="rId10"/>
+    <p:sldId id="271" r:id="rId11"/>
+    <p:sldId id="272" r:id="rId12"/>
+    <p:sldId id="274" r:id="rId13"/>
+    <p:sldId id="275" r:id="rId14"/>
+    <p:sldId id="279" r:id="rId15"/>
+    <p:sldId id="280" r:id="rId16"/>
+    <p:sldId id="282" r:id="rId17"/>
+    <p:sldId id="283" r:id="rId18"/>
+    <p:sldId id="287" r:id="rId19"/>
+    <p:sldId id="288" r:id="rId20"/>
+    <p:sldId id="289" r:id="rId21"/>
+    <p:sldId id="290" r:id="rId22"/>
+    <p:sldId id="291" r:id="rId23"/>
+    <p:sldId id="292" r:id="rId24"/>
+    <p:sldId id="265" r:id="rId25"/>
   </p:sldIdLst>
   <p:sldSz cx="12192000" cy="6858000"/>
   <p:notesSz cx="6858000" cy="9144000"/>
@@ -4600,7 +4602,7 @@
           <a:p>
             <a:fld id="{9876D613-E292-EE4D-934C-9FCF122ECEBE}" type="datetimeFigureOut">
               <a:rPr lang="en-US" smtClean="0"/>
-              <a:t>3/10/24</a:t>
+              <a:t>3/11/24</a:t>
             </a:fld>
             <a:endParaRPr lang="en-US"/>
           </a:p>
@@ -4957,7 +4959,7 @@
   <p:cSld>
     <p:spTree>
       <p:nvGrpSpPr>
-        <p:cNvPr id="1" name="Shape 284"/>
+        <p:cNvPr id="1" name="Shape 314"/>
         <p:cNvGrpSpPr/>
         <p:nvPr/>
       </p:nvGrpSpPr>
@@ -4971,7 +4973,7 @@
       </p:grpSpPr>
       <p:sp>
         <p:nvSpPr>
-          <p:cNvPr id="285" name="Google Shape;285;ge7503e801d_0_85:notes"/>
+          <p:cNvPr id="315" name="Google Shape;315;ge7503e801d_0_98:notes"/>
           <p:cNvSpPr txBox="1">
             <a:spLocks noGrp="1"/>
           </p:cNvSpPr>
@@ -5009,7 +5011,7 @@
       </p:sp>
       <p:sp>
         <p:nvSpPr>
-          <p:cNvPr id="286" name="Google Shape;286;ge7503e801d_0_85:notes"/>
+          <p:cNvPr id="316" name="Google Shape;316;ge7503e801d_0_98:notes"/>
           <p:cNvSpPr>
             <a:spLocks noGrp="1" noRot="1" noChangeAspect="1"/>
           </p:cNvSpPr>
@@ -5061,7 +5063,7 @@
   <p:cSld>
     <p:spTree>
       <p:nvGrpSpPr>
-        <p:cNvPr id="1" name="Shape 305"/>
+        <p:cNvPr id="1" name="Shape 377"/>
         <p:cNvGrpSpPr/>
         <p:nvPr/>
       </p:nvGrpSpPr>
@@ -5075,7 +5077,7 @@
       </p:grpSpPr>
       <p:sp>
         <p:nvSpPr>
-          <p:cNvPr id="306" name="Google Shape;306;ge7503e801d_0_364:notes"/>
+          <p:cNvPr id="378" name="Google Shape;378;ge7503e801d_0_141:notes"/>
           <p:cNvSpPr txBox="1">
             <a:spLocks noGrp="1"/>
           </p:cNvSpPr>
@@ -5113,7 +5115,7 @@
       </p:sp>
       <p:sp>
         <p:nvSpPr>
-          <p:cNvPr id="307" name="Google Shape;307;ge7503e801d_0_364:notes"/>
+          <p:cNvPr id="379" name="Google Shape;379;ge7503e801d_0_141:notes"/>
           <p:cNvSpPr>
             <a:spLocks noGrp="1" noRot="1" noChangeAspect="1"/>
           </p:cNvSpPr>
@@ -5165,7 +5167,7 @@
   <p:cSld>
     <p:spTree>
       <p:nvGrpSpPr>
-        <p:cNvPr id="1" name="Shape 314"/>
+        <p:cNvPr id="1" name="Shape 394"/>
         <p:cNvGrpSpPr/>
         <p:nvPr/>
       </p:nvGrpSpPr>
@@ -5179,7 +5181,7 @@
       </p:grpSpPr>
       <p:sp>
         <p:nvSpPr>
-          <p:cNvPr id="315" name="Google Shape;315;ge7503e801d_0_98:notes"/>
+          <p:cNvPr id="395" name="Google Shape;395;ge7503e801d_0_376:notes"/>
           <p:cNvSpPr txBox="1">
             <a:spLocks noGrp="1"/>
           </p:cNvSpPr>
@@ -5217,7 +5219,7 @@
       </p:sp>
       <p:sp>
         <p:nvSpPr>
-          <p:cNvPr id="316" name="Google Shape;316;ge7503e801d_0_98:notes"/>
+          <p:cNvPr id="396" name="Google Shape;396;ge7503e801d_0_376:notes"/>
           <p:cNvSpPr>
             <a:spLocks noGrp="1" noRot="1" noChangeAspect="1"/>
           </p:cNvSpPr>
@@ -5269,7 +5271,7 @@
   <p:cSld>
     <p:spTree>
       <p:nvGrpSpPr>
-        <p:cNvPr id="1" name="Shape 377"/>
+        <p:cNvPr id="1" name="Shape 426"/>
         <p:cNvGrpSpPr/>
         <p:nvPr/>
       </p:nvGrpSpPr>
@@ -5283,7 +5285,7 @@
       </p:grpSpPr>
       <p:sp>
         <p:nvSpPr>
-          <p:cNvPr id="378" name="Google Shape;378;ge7503e801d_0_141:notes"/>
+          <p:cNvPr id="427" name="Google Shape;427;ge7503e801d_0_167:notes"/>
           <p:cNvSpPr txBox="1">
             <a:spLocks noGrp="1"/>
           </p:cNvSpPr>
@@ -5321,7 +5323,7 @@
       </p:sp>
       <p:sp>
         <p:nvSpPr>
-          <p:cNvPr id="379" name="Google Shape;379;ge7503e801d_0_141:notes"/>
+          <p:cNvPr id="428" name="Google Shape;428;ge7503e801d_0_167:notes"/>
           <p:cNvSpPr>
             <a:spLocks noGrp="1" noRot="1" noChangeAspect="1"/>
           </p:cNvSpPr>
@@ -5373,7 +5375,7 @@
   <p:cSld>
     <p:spTree>
       <p:nvGrpSpPr>
-        <p:cNvPr id="1" name="Shape 394"/>
+        <p:cNvPr id="1" name="Shape 443"/>
         <p:cNvGrpSpPr/>
         <p:nvPr/>
       </p:nvGrpSpPr>
@@ -5387,7 +5389,7 @@
       </p:grpSpPr>
       <p:sp>
         <p:nvSpPr>
-          <p:cNvPr id="395" name="Google Shape;395;ge7503e801d_0_376:notes"/>
+          <p:cNvPr id="444" name="Google Shape;444;ge75102a0e6_0_0:notes"/>
           <p:cNvSpPr txBox="1">
             <a:spLocks noGrp="1"/>
           </p:cNvSpPr>
@@ -5425,7 +5427,7 @@
       </p:sp>
       <p:sp>
         <p:nvSpPr>
-          <p:cNvPr id="396" name="Google Shape;396;ge7503e801d_0_376:notes"/>
+          <p:cNvPr id="445" name="Google Shape;445;ge75102a0e6_0_0:notes"/>
           <p:cNvSpPr>
             <a:spLocks noGrp="1" noRot="1" noChangeAspect="1"/>
           </p:cNvSpPr>
@@ -5477,7 +5479,7 @@
   <p:cSld>
     <p:spTree>
       <p:nvGrpSpPr>
-        <p:cNvPr id="1" name="Shape 426"/>
+        <p:cNvPr id="1" name="Shape 490"/>
         <p:cNvGrpSpPr/>
         <p:nvPr/>
       </p:nvGrpSpPr>
@@ -5491,7 +5493,7 @@
       </p:grpSpPr>
       <p:sp>
         <p:nvSpPr>
-          <p:cNvPr id="427" name="Google Shape;427;ge7503e801d_0_167:notes"/>
+          <p:cNvPr id="491" name="Google Shape;491;ge7b52e0622_0_33:notes"/>
           <p:cNvSpPr txBox="1">
             <a:spLocks noGrp="1"/>
           </p:cNvSpPr>
@@ -5529,7 +5531,7 @@
       </p:sp>
       <p:sp>
         <p:nvSpPr>
-          <p:cNvPr id="428" name="Google Shape;428;ge7503e801d_0_167:notes"/>
+          <p:cNvPr id="492" name="Google Shape;492;ge7b52e0622_0_33:notes"/>
           <p:cNvSpPr>
             <a:spLocks noGrp="1" noRot="1" noChangeAspect="1"/>
           </p:cNvSpPr>
@@ -5581,7 +5583,7 @@
   <p:cSld>
     <p:spTree>
       <p:nvGrpSpPr>
-        <p:cNvPr id="1" name="Shape 443"/>
+        <p:cNvPr id="1" name="Shape 505"/>
         <p:cNvGrpSpPr/>
         <p:nvPr/>
       </p:nvGrpSpPr>
@@ -5595,7 +5597,7 @@
       </p:grpSpPr>
       <p:sp>
         <p:nvSpPr>
-          <p:cNvPr id="444" name="Google Shape;444;ge75102a0e6_0_0:notes"/>
+          <p:cNvPr id="506" name="Google Shape;506;ge7b52e0622_0_48:notes"/>
           <p:cNvSpPr txBox="1">
             <a:spLocks noGrp="1"/>
           </p:cNvSpPr>
@@ -5633,7 +5635,7 @@
       </p:sp>
       <p:sp>
         <p:nvSpPr>
-          <p:cNvPr id="445" name="Google Shape;445;ge75102a0e6_0_0:notes"/>
+          <p:cNvPr id="507" name="Google Shape;507;ge7b52e0622_0_48:notes"/>
           <p:cNvSpPr>
             <a:spLocks noGrp="1" noRot="1" noChangeAspect="1"/>
           </p:cNvSpPr>
@@ -5685,7 +5687,7 @@
   <p:cSld>
     <p:spTree>
       <p:nvGrpSpPr>
-        <p:cNvPr id="1" name="Shape 490"/>
+        <p:cNvPr id="1" name="Shape 515"/>
         <p:cNvGrpSpPr/>
         <p:nvPr/>
       </p:nvGrpSpPr>
@@ -5699,7 +5701,7 @@
       </p:grpSpPr>
       <p:sp>
         <p:nvSpPr>
-          <p:cNvPr id="491" name="Google Shape;491;ge7b52e0622_0_33:notes"/>
+          <p:cNvPr id="516" name="Google Shape;516;ge7b52e0622_0_62:notes"/>
           <p:cNvSpPr txBox="1">
             <a:spLocks noGrp="1"/>
           </p:cNvSpPr>
@@ -5737,7 +5739,7 @@
       </p:sp>
       <p:sp>
         <p:nvSpPr>
-          <p:cNvPr id="492" name="Google Shape;492;ge7b52e0622_0_33:notes"/>
+          <p:cNvPr id="517" name="Google Shape;517;ge7b52e0622_0_62:notes"/>
           <p:cNvSpPr>
             <a:spLocks noGrp="1" noRot="1" noChangeAspect="1"/>
           </p:cNvSpPr>
@@ -5789,7 +5791,7 @@
   <p:cSld>
     <p:spTree>
       <p:nvGrpSpPr>
-        <p:cNvPr id="1" name="Shape 505"/>
+        <p:cNvPr id="1" name="Shape 526"/>
         <p:cNvGrpSpPr/>
         <p:nvPr/>
       </p:nvGrpSpPr>
@@ -5803,7 +5805,7 @@
       </p:grpSpPr>
       <p:sp>
         <p:nvSpPr>
-          <p:cNvPr id="506" name="Google Shape;506;ge7b52e0622_0_48:notes"/>
+          <p:cNvPr id="527" name="Google Shape;527;ge7b52e0622_0_113:notes"/>
           <p:cNvSpPr txBox="1">
             <a:spLocks noGrp="1"/>
           </p:cNvSpPr>
@@ -5841,7 +5843,7 @@
       </p:sp>
       <p:sp>
         <p:nvSpPr>
-          <p:cNvPr id="507" name="Google Shape;507;ge7b52e0622_0_48:notes"/>
+          <p:cNvPr id="528" name="Google Shape;528;ge7b52e0622_0_113:notes"/>
           <p:cNvSpPr>
             <a:spLocks noGrp="1" noRot="1" noChangeAspect="1"/>
           </p:cNvSpPr>
@@ -5893,7 +5895,7 @@
   <p:cSld>
     <p:spTree>
       <p:nvGrpSpPr>
-        <p:cNvPr id="1" name="Shape 515"/>
+        <p:cNvPr id="1" name="Shape 536"/>
         <p:cNvGrpSpPr/>
         <p:nvPr/>
       </p:nvGrpSpPr>
@@ -5907,7 +5909,7 @@
       </p:grpSpPr>
       <p:sp>
         <p:nvSpPr>
-          <p:cNvPr id="516" name="Google Shape;516;ge7b52e0622_0_62:notes"/>
+          <p:cNvPr id="537" name="Google Shape;537;ge7b52e0622_0_72:notes"/>
           <p:cNvSpPr txBox="1">
             <a:spLocks noGrp="1"/>
           </p:cNvSpPr>
@@ -5945,7 +5947,7 @@
       </p:sp>
       <p:sp>
         <p:nvSpPr>
-          <p:cNvPr id="517" name="Google Shape;517;ge7b52e0622_0_62:notes"/>
+          <p:cNvPr id="538" name="Google Shape;538;ge7b52e0622_0_72:notes"/>
           <p:cNvSpPr>
             <a:spLocks noGrp="1" noRot="1" noChangeAspect="1"/>
           </p:cNvSpPr>
@@ -6101,7 +6103,7 @@
   <p:cSld>
     <p:spTree>
       <p:nvGrpSpPr>
-        <p:cNvPr id="1" name="Shape 526"/>
+        <p:cNvPr id="1" name="Shape 550"/>
         <p:cNvGrpSpPr/>
         <p:nvPr/>
       </p:nvGrpSpPr>
@@ -6115,7 +6117,7 @@
       </p:grpSpPr>
       <p:sp>
         <p:nvSpPr>
-          <p:cNvPr id="527" name="Google Shape;527;ge7b52e0622_0_113:notes"/>
+          <p:cNvPr id="551" name="Google Shape;551;ge7b52e0622_0_86:notes"/>
           <p:cNvSpPr txBox="1">
             <a:spLocks noGrp="1"/>
           </p:cNvSpPr>
@@ -6153,7 +6155,7 @@
       </p:sp>
       <p:sp>
         <p:nvSpPr>
-          <p:cNvPr id="528" name="Google Shape;528;ge7b52e0622_0_113:notes"/>
+          <p:cNvPr id="552" name="Google Shape;552;ge7b52e0622_0_86:notes"/>
           <p:cNvSpPr>
             <a:spLocks noGrp="1" noRot="1" noChangeAspect="1"/>
           </p:cNvSpPr>
@@ -6205,7 +6207,7 @@
   <p:cSld>
     <p:spTree>
       <p:nvGrpSpPr>
-        <p:cNvPr id="1" name="Shape 536"/>
+        <p:cNvPr id="1" name="Shape 215"/>
         <p:cNvGrpSpPr/>
         <p:nvPr/>
       </p:nvGrpSpPr>
@@ -6219,7 +6221,7 @@
       </p:grpSpPr>
       <p:sp>
         <p:nvSpPr>
-          <p:cNvPr id="537" name="Google Shape;537;ge7b52e0622_0_72:notes"/>
+          <p:cNvPr id="216" name="Google Shape;216;ge7503e801d_0_48:notes"/>
           <p:cNvSpPr txBox="1">
             <a:spLocks noGrp="1"/>
           </p:cNvSpPr>
@@ -6257,111 +6259,7 @@
       </p:sp>
       <p:sp>
         <p:nvSpPr>
-          <p:cNvPr id="538" name="Google Shape;538;ge7b52e0622_0_72:notes"/>
-          <p:cNvSpPr>
-            <a:spLocks noGrp="1" noRot="1" noChangeAspect="1"/>
-          </p:cNvSpPr>
-          <p:nvPr>
-            <p:ph type="sldImg" idx="2"/>
-          </p:nvPr>
-        </p:nvSpPr>
-        <p:spPr>
-          <a:xfrm>
-            <a:off x="381000" y="685800"/>
-            <a:ext cx="6096000" cy="3429000"/>
-          </a:xfrm>
-          <a:custGeom>
-            <a:avLst/>
-            <a:gdLst/>
-            <a:ahLst/>
-            <a:cxnLst/>
-            <a:rect l="l" t="t" r="r" b="b"/>
-            <a:pathLst>
-              <a:path w="120000" h="120000" extrusionOk="0">
-                <a:moveTo>
-                  <a:pt x="0" y="0"/>
-                </a:moveTo>
-                <a:lnTo>
-                  <a:pt x="120000" y="0"/>
-                </a:lnTo>
-                <a:lnTo>
-                  <a:pt x="120000" y="120000"/>
-                </a:lnTo>
-                <a:lnTo>
-                  <a:pt x="0" y="120000"/>
-                </a:lnTo>
-                <a:close/>
-              </a:path>
-            </a:pathLst>
-          </a:custGeom>
-        </p:spPr>
-      </p:sp>
-    </p:spTree>
-  </p:cSld>
-  <p:clrMapOvr>
-    <a:masterClrMapping/>
-  </p:clrMapOvr>
-</p:notes>
-</file>
-
-<file path=ppt/notesSlides/notesSlide22.xml><?xml version="1.0" encoding="utf-8"?>
-<p:notes xmlns:a="http://schemas.openxmlformats.org/drawingml/2006/main" xmlns:r="http://schemas.openxmlformats.org/officeDocument/2006/relationships" xmlns:p="http://schemas.openxmlformats.org/presentationml/2006/main" showMasterSp="0" showMasterPhAnim="0">
-  <p:cSld>
-    <p:spTree>
-      <p:nvGrpSpPr>
-        <p:cNvPr id="1" name="Shape 550"/>
-        <p:cNvGrpSpPr/>
-        <p:nvPr/>
-      </p:nvGrpSpPr>
-      <p:grpSpPr>
-        <a:xfrm>
-          <a:off x="0" y="0"/>
-          <a:ext cx="0" cy="0"/>
-          <a:chOff x="0" y="0"/>
-          <a:chExt cx="0" cy="0"/>
-        </a:xfrm>
-      </p:grpSpPr>
-      <p:sp>
-        <p:nvSpPr>
-          <p:cNvPr id="551" name="Google Shape;551;ge7b52e0622_0_86:notes"/>
-          <p:cNvSpPr txBox="1">
-            <a:spLocks noGrp="1"/>
-          </p:cNvSpPr>
-          <p:nvPr>
-            <p:ph type="body" idx="1"/>
-          </p:nvPr>
-        </p:nvSpPr>
-        <p:spPr>
-          <a:xfrm>
-            <a:off x="685800" y="4343400"/>
-            <a:ext cx="5486400" cy="4114800"/>
-          </a:xfrm>
-          <a:prstGeom prst="rect">
-            <a:avLst/>
-          </a:prstGeom>
-        </p:spPr>
-        <p:txBody>
-          <a:bodyPr spcFirstLastPara="1" wrap="square" lIns="91425" tIns="91425" rIns="91425" bIns="91425" anchor="t" anchorCtr="0">
-            <a:noAutofit/>
-          </a:bodyPr>
-          <a:lstStyle/>
-          <a:p>
-            <a:pPr marL="0" lvl="0" indent="0" algn="l" rtl="0">
-              <a:spcBef>
-                <a:spcPts val="0"/>
-              </a:spcBef>
-              <a:spcAft>
-                <a:spcPts val="0"/>
-              </a:spcAft>
-              <a:buNone/>
-            </a:pPr>
-            <a:endParaRPr/>
-          </a:p>
-        </p:txBody>
-      </p:sp>
-      <p:sp>
-        <p:nvSpPr>
-          <p:cNvPr id="552" name="Google Shape;552;ge7b52e0622_0_86:notes"/>
+          <p:cNvPr id="217" name="Google Shape;217;ge7503e801d_0_48:notes"/>
           <p:cNvSpPr>
             <a:spLocks noGrp="1" noRot="1" noChangeAspect="1"/>
           </p:cNvSpPr>
@@ -6413,7 +6311,7 @@
   <p:cSld>
     <p:spTree>
       <p:nvGrpSpPr>
-        <p:cNvPr id="1" name="Shape 170"/>
+        <p:cNvPr id="1" name="Shape 225"/>
         <p:cNvGrpSpPr/>
         <p:nvPr/>
       </p:nvGrpSpPr>
@@ -6427,7 +6325,7 @@
       </p:grpSpPr>
       <p:sp>
         <p:nvSpPr>
-          <p:cNvPr id="171" name="Google Shape;171;ge7503e801d_0_17:notes"/>
+          <p:cNvPr id="226" name="Google Shape;226;ge7503e801d_0_53:notes"/>
           <p:cNvSpPr txBox="1">
             <a:spLocks noGrp="1"/>
           </p:cNvSpPr>
@@ -6465,7 +6363,7 @@
       </p:sp>
       <p:sp>
         <p:nvSpPr>
-          <p:cNvPr id="172" name="Google Shape;172;ge7503e801d_0_17:notes"/>
+          <p:cNvPr id="227" name="Google Shape;227;ge7503e801d_0_53:notes"/>
           <p:cNvSpPr>
             <a:spLocks noGrp="1" noRot="1" noChangeAspect="1"/>
           </p:cNvSpPr>
@@ -6517,7 +6415,7 @@
   <p:cSld>
     <p:spTree>
       <p:nvGrpSpPr>
-        <p:cNvPr id="1" name="Shape 225"/>
+        <p:cNvPr id="1" name="Shape 235"/>
         <p:cNvGrpSpPr/>
         <p:nvPr/>
       </p:nvGrpSpPr>
@@ -6531,7 +6429,7 @@
       </p:grpSpPr>
       <p:sp>
         <p:nvSpPr>
-          <p:cNvPr id="226" name="Google Shape;226;ge7503e801d_0_53:notes"/>
+          <p:cNvPr id="236" name="Google Shape;236;ge7503e801d_0_58:notes"/>
           <p:cNvSpPr txBox="1">
             <a:spLocks noGrp="1"/>
           </p:cNvSpPr>
@@ -6569,7 +6467,7 @@
       </p:sp>
       <p:sp>
         <p:nvSpPr>
-          <p:cNvPr id="227" name="Google Shape;227;ge7503e801d_0_53:notes"/>
+          <p:cNvPr id="237" name="Google Shape;237;ge7503e801d_0_58:notes"/>
           <p:cNvSpPr>
             <a:spLocks noGrp="1" noRot="1" noChangeAspect="1"/>
           </p:cNvSpPr>
@@ -6621,7 +6519,7 @@
   <p:cSld>
     <p:spTree>
       <p:nvGrpSpPr>
-        <p:cNvPr id="1" name="Shape 235"/>
+        <p:cNvPr id="1" name="Shape 255"/>
         <p:cNvGrpSpPr/>
         <p:nvPr/>
       </p:nvGrpSpPr>
@@ -6635,7 +6533,7 @@
       </p:grpSpPr>
       <p:sp>
         <p:nvSpPr>
-          <p:cNvPr id="236" name="Google Shape;236;ge7503e801d_0_58:notes"/>
+          <p:cNvPr id="256" name="Google Shape;256;ge7503e801d_0_68:notes"/>
           <p:cNvSpPr txBox="1">
             <a:spLocks noGrp="1"/>
           </p:cNvSpPr>
@@ -6673,7 +6571,7 @@
       </p:sp>
       <p:sp>
         <p:nvSpPr>
-          <p:cNvPr id="237" name="Google Shape;237;ge7503e801d_0_58:notes"/>
+          <p:cNvPr id="257" name="Google Shape;257;ge7503e801d_0_68:notes"/>
           <p:cNvSpPr>
             <a:spLocks noGrp="1" noRot="1" noChangeAspect="1"/>
           </p:cNvSpPr>
@@ -6725,7 +6623,7 @@
   <p:cSld>
     <p:spTree>
       <p:nvGrpSpPr>
-        <p:cNvPr id="1" name="Shape 215"/>
+        <p:cNvPr id="1" name="Shape 265"/>
         <p:cNvGrpSpPr/>
         <p:nvPr/>
       </p:nvGrpSpPr>
@@ -6739,7 +6637,7 @@
       </p:grpSpPr>
       <p:sp>
         <p:nvSpPr>
-          <p:cNvPr id="216" name="Google Shape;216;ge7503e801d_0_48:notes"/>
+          <p:cNvPr id="266" name="Google Shape;266;ge7503e801d_0_73:notes"/>
           <p:cNvSpPr txBox="1">
             <a:spLocks noGrp="1"/>
           </p:cNvSpPr>
@@ -6777,7 +6675,7 @@
       </p:sp>
       <p:sp>
         <p:nvSpPr>
-          <p:cNvPr id="217" name="Google Shape;217;ge7503e801d_0_48:notes"/>
+          <p:cNvPr id="267" name="Google Shape;267;ge7503e801d_0_73:notes"/>
           <p:cNvSpPr>
             <a:spLocks noGrp="1" noRot="1" noChangeAspect="1"/>
           </p:cNvSpPr>
@@ -6829,7 +6727,7 @@
   <p:cSld>
     <p:spTree>
       <p:nvGrpSpPr>
-        <p:cNvPr id="1" name="Shape 255"/>
+        <p:cNvPr id="1" name="Shape 275"/>
         <p:cNvGrpSpPr/>
         <p:nvPr/>
       </p:nvGrpSpPr>
@@ -6843,7 +6741,7 @@
       </p:grpSpPr>
       <p:sp>
         <p:nvSpPr>
-          <p:cNvPr id="256" name="Google Shape;256;ge7503e801d_0_68:notes"/>
+          <p:cNvPr id="276" name="Google Shape;276;ge7503e801d_0_78:notes"/>
           <p:cNvSpPr txBox="1">
             <a:spLocks noGrp="1"/>
           </p:cNvSpPr>
@@ -6881,7 +6779,7 @@
       </p:sp>
       <p:sp>
         <p:nvSpPr>
-          <p:cNvPr id="257" name="Google Shape;257;ge7503e801d_0_68:notes"/>
+          <p:cNvPr id="277" name="Google Shape;277;ge7503e801d_0_78:notes"/>
           <p:cNvSpPr>
             <a:spLocks noGrp="1" noRot="1" noChangeAspect="1"/>
           </p:cNvSpPr>
@@ -6933,7 +6831,7 @@
   <p:cSld>
     <p:spTree>
       <p:nvGrpSpPr>
-        <p:cNvPr id="1" name="Shape 265"/>
+        <p:cNvPr id="1" name="Shape 284"/>
         <p:cNvGrpSpPr/>
         <p:nvPr/>
       </p:nvGrpSpPr>
@@ -6947,7 +6845,7 @@
       </p:grpSpPr>
       <p:sp>
         <p:nvSpPr>
-          <p:cNvPr id="266" name="Google Shape;266;ge7503e801d_0_73:notes"/>
+          <p:cNvPr id="285" name="Google Shape;285;ge7503e801d_0_85:notes"/>
           <p:cNvSpPr txBox="1">
             <a:spLocks noGrp="1"/>
           </p:cNvSpPr>
@@ -6985,7 +6883,7 @@
       </p:sp>
       <p:sp>
         <p:nvSpPr>
-          <p:cNvPr id="267" name="Google Shape;267;ge7503e801d_0_73:notes"/>
+          <p:cNvPr id="286" name="Google Shape;286;ge7503e801d_0_85:notes"/>
           <p:cNvSpPr>
             <a:spLocks noGrp="1" noRot="1" noChangeAspect="1"/>
           </p:cNvSpPr>
@@ -7037,7 +6935,7 @@
   <p:cSld>
     <p:spTree>
       <p:nvGrpSpPr>
-        <p:cNvPr id="1" name="Shape 275"/>
+        <p:cNvPr id="1" name="Shape 305"/>
         <p:cNvGrpSpPr/>
         <p:nvPr/>
       </p:nvGrpSpPr>
@@ -7051,7 +6949,7 @@
       </p:grpSpPr>
       <p:sp>
         <p:nvSpPr>
-          <p:cNvPr id="276" name="Google Shape;276;ge7503e801d_0_78:notes"/>
+          <p:cNvPr id="306" name="Google Shape;306;ge7503e801d_0_364:notes"/>
           <p:cNvSpPr txBox="1">
             <a:spLocks noGrp="1"/>
           </p:cNvSpPr>
@@ -7089,7 +6987,7 @@
       </p:sp>
       <p:sp>
         <p:nvSpPr>
-          <p:cNvPr id="277" name="Google Shape;277;ge7503e801d_0_78:notes"/>
+          <p:cNvPr id="307" name="Google Shape;307;ge7503e801d_0_364:notes"/>
           <p:cNvSpPr>
             <a:spLocks noGrp="1" noRot="1" noChangeAspect="1"/>
           </p:cNvSpPr>
@@ -7326,7 +7224,7 @@
           <a:p>
             <a:fld id="{2CCE8539-A04A-A641-9786-3379A413D107}" type="datetime1">
               <a:rPr lang="en-GB" smtClean="0"/>
-              <a:t>10/03/2024</a:t>
+              <a:t>11/03/2024</a:t>
             </a:fld>
             <a:endParaRPr lang="en-US" dirty="0"/>
           </a:p>
@@ -7642,7 +7540,7 @@
           <a:p>
             <a:fld id="{EEA0716B-12E6-6E4C-8AB5-89AA1ED9DB25}" type="datetime1">
               <a:rPr lang="en-GB" smtClean="0"/>
-              <a:t>10/03/2024</a:t>
+              <a:t>11/03/2024</a:t>
             </a:fld>
             <a:endParaRPr lang="en-US" dirty="0"/>
           </a:p>
@@ -7848,7 +7746,7 @@
           <a:p>
             <a:fld id="{E32AB96C-B4C4-B24E-A59B-3806444DECFB}" type="datetime1">
               <a:rPr lang="en-GB" smtClean="0"/>
-              <a:t>10/03/2024</a:t>
+              <a:t>11/03/2024</a:t>
             </a:fld>
             <a:endParaRPr lang="en-US" dirty="0"/>
           </a:p>
@@ -8028,7 +7926,7 @@
           <a:p>
             <a:fld id="{BD717175-EC9B-AF48-9B35-85CE8CAF4B53}" type="datetime1">
               <a:rPr lang="en-GB" smtClean="0"/>
-              <a:t>10/03/2024</a:t>
+              <a:t>11/03/2024</a:t>
             </a:fld>
             <a:endParaRPr lang="en-US" dirty="0"/>
           </a:p>
@@ -8276,7 +8174,7 @@
           <a:p>
             <a:fld id="{948192C9-D15F-8846-AF6F-B2691177DB8B}" type="datetime1">
               <a:rPr lang="en-GB" smtClean="0"/>
-              <a:t>10/03/2024</a:t>
+              <a:t>11/03/2024</a:t>
             </a:fld>
             <a:endParaRPr lang="en-US" dirty="0"/>
           </a:p>
@@ -8539,7 +8437,7 @@
           <a:p>
             <a:fld id="{948192C9-D15F-8846-AF6F-B2691177DB8B}" type="datetime1">
               <a:rPr lang="en-GB" smtClean="0"/>
-              <a:t>10/03/2024</a:t>
+              <a:t>11/03/2024</a:t>
             </a:fld>
             <a:endParaRPr lang="en-US" dirty="0"/>
           </a:p>
@@ -8839,7 +8737,7 @@
           <a:p>
             <a:fld id="{2FF3F1F8-DDB3-E240-9AB8-D73990287B81}" type="datetime1">
               <a:rPr lang="en-GB" smtClean="0"/>
-              <a:t>10/03/2024</a:t>
+              <a:t>11/03/2024</a:t>
             </a:fld>
             <a:endParaRPr lang="en-US" dirty="0"/>
           </a:p>
@@ -9112,7 +9010,7 @@
           <a:p>
             <a:fld id="{74096380-4B67-0344-9B90-A339983FDA1E}" type="datetime1">
               <a:rPr lang="en-GB" smtClean="0"/>
-              <a:t>10/03/2024</a:t>
+              <a:t>11/03/2024</a:t>
             </a:fld>
             <a:endParaRPr lang="en-US" dirty="0"/>
           </a:p>
@@ -9524,7 +9422,7 @@
           <a:p>
             <a:fld id="{13917BC3-7C49-E241-926A-02A14F3CE68E}" type="datetime1">
               <a:rPr lang="en-GB" smtClean="0"/>
-              <a:t>10/03/2024</a:t>
+              <a:t>11/03/2024</a:t>
             </a:fld>
             <a:endParaRPr lang="en-US" dirty="0"/>
           </a:p>
@@ -9648,7 +9546,7 @@
           <a:p>
             <a:fld id="{A9EC2910-0EA3-C845-9DDD-5DB82ED44558}" type="datetime1">
               <a:rPr lang="en-GB" smtClean="0"/>
-              <a:t>10/03/2024</a:t>
+              <a:t>11/03/2024</a:t>
             </a:fld>
             <a:endParaRPr lang="en-US" dirty="0"/>
           </a:p>
@@ -9743,7 +9641,7 @@
           <a:p>
             <a:fld id="{CE4ED43D-4F96-4A41-9FE2-FD3EAFB55955}" type="datetime1">
               <a:rPr lang="en-GB" smtClean="0"/>
-              <a:t>10/03/2024</a:t>
+              <a:t>11/03/2024</a:t>
             </a:fld>
             <a:endParaRPr lang="en-US" dirty="0"/>
           </a:p>
@@ -10033,7 +9931,7 @@
           <a:p>
             <a:fld id="{35211157-8A13-544E-BFBC-77796DD34E87}" type="datetime1">
               <a:rPr lang="en-GB" smtClean="0"/>
-              <a:t>10/03/2024</a:t>
+              <a:t>11/03/2024</a:t>
             </a:fld>
             <a:endParaRPr lang="en-US" dirty="0"/>
           </a:p>
@@ -10254,7 +10152,7 @@
           <a:p>
             <a:fld id="{A44A47F3-8433-174B-B368-80118F8F9214}" type="datetime1">
               <a:rPr lang="en-GB" smtClean="0"/>
-              <a:t>10/03/2024</a:t>
+              <a:t>11/03/2024</a:t>
             </a:fld>
             <a:endParaRPr lang="en-US" dirty="0"/>
           </a:p>
@@ -10926,7 +10824,23 @@
                   <a:schemeClr val="tx1"/>
                 </a:solidFill>
               </a:rPr>
-              <a:t>WHAT IS sentiment analysis?</a:t>
+              <a:t>sentiment analysis with R (</a:t>
+            </a:r>
+            <a:r>
+              <a:rPr lang="en-GB" dirty="0" err="1">
+                <a:solidFill>
+                  <a:schemeClr val="tx1"/>
+                </a:solidFill>
+              </a:rPr>
+              <a:t>Rstudio</a:t>
+            </a:r>
+            <a:r>
+              <a:rPr lang="en-GB" dirty="0">
+                <a:solidFill>
+                  <a:schemeClr val="tx1"/>
+                </a:solidFill>
+              </a:rPr>
+              <a:t>)</a:t>
             </a:r>
           </a:p>
         </p:txBody>
@@ -10966,6 +10880,16 @@
                 </a:solidFill>
               </a:rPr>
               <a:t>Dr Giulia Grisot</a:t>
+            </a:r>
+          </a:p>
+          <a:p>
+            <a:r>
+              <a:rPr lang="en-US" dirty="0">
+                <a:solidFill>
+                  <a:schemeClr val="tx1"/>
+                </a:solidFill>
+              </a:rPr>
+              <a:t>11/03/2024</a:t>
             </a:r>
           </a:p>
         </p:txBody>
@@ -11100,6 +11024,275 @@
   <p:cSld>
     <p:spTree>
       <p:nvGrpSpPr>
+        <p:cNvPr id="1" name="Shape 278"/>
+        <p:cNvGrpSpPr/>
+        <p:nvPr/>
+      </p:nvGrpSpPr>
+      <p:grpSpPr>
+        <a:xfrm>
+          <a:off x="0" y="0"/>
+          <a:ext cx="0" cy="0"/>
+          <a:chOff x="0" y="0"/>
+          <a:chExt cx="0" cy="0"/>
+        </a:xfrm>
+      </p:grpSpPr>
+      <p:sp>
+        <p:nvSpPr>
+          <p:cNvPr id="279" name="Google Shape;279;p40"/>
+          <p:cNvSpPr txBox="1">
+            <a:spLocks noGrp="1"/>
+          </p:cNvSpPr>
+          <p:nvPr>
+            <p:ph type="title"/>
+          </p:nvPr>
+        </p:nvSpPr>
+        <p:spPr>
+          <a:xfrm>
+            <a:off x="1024128" y="585216"/>
+            <a:ext cx="9720072" cy="1499616"/>
+          </a:xfrm>
+          <a:noFill/>
+          <a:ln>
+            <a:noFill/>
+          </a:ln>
+        </p:spPr>
+        <p:txBody>
+          <a:bodyPr spcFirstLastPara="1" vert="horz" wrap="square" lIns="91433" tIns="45700" rIns="91433" bIns="45700" rtlCol="0" anchor="ctr" anchorCtr="0">
+            <a:normAutofit/>
+          </a:bodyPr>
+          <a:lstStyle/>
+          <a:p>
+            <a:r>
+              <a:rPr lang="en-GB" dirty="0"/>
+              <a:t>EMOTION THEORIES:</a:t>
+            </a:r>
+            <a:br>
+              <a:rPr lang="en-GB" dirty="0"/>
+            </a:br>
+            <a:r>
+              <a:rPr lang="en-GB" dirty="0">
+                <a:sym typeface="Arial"/>
+              </a:rPr>
+              <a:t>2. Ekman’s Theory of (Six) Basic Emotions</a:t>
+            </a:r>
+          </a:p>
+        </p:txBody>
+      </p:sp>
+      <p:sp>
+        <p:nvSpPr>
+          <p:cNvPr id="281" name="Google Shape;281;p40"/>
+          <p:cNvSpPr/>
+          <p:nvPr/>
+        </p:nvSpPr>
+        <p:spPr>
+          <a:xfrm>
+            <a:off x="4486551" y="2835800"/>
+            <a:ext cx="6992000" cy="336000"/>
+          </a:xfrm>
+          <a:prstGeom prst="rect">
+            <a:avLst/>
+          </a:prstGeom>
+          <a:solidFill>
+            <a:srgbClr val="FFFFFF"/>
+          </a:solidFill>
+          <a:ln>
+            <a:noFill/>
+          </a:ln>
+        </p:spPr>
+        <p:txBody>
+          <a:bodyPr spcFirstLastPara="1" wrap="square" lIns="91433" tIns="91433" rIns="91433" bIns="91433" anchor="ctr" anchorCtr="0">
+            <a:noAutofit/>
+          </a:bodyPr>
+          <a:lstStyle/>
+          <a:p>
+            <a:endParaRPr sz="2400"/>
+          </a:p>
+        </p:txBody>
+      </p:sp>
+      <p:sp>
+        <p:nvSpPr>
+          <p:cNvPr id="282" name="Google Shape;282;p40"/>
+          <p:cNvSpPr/>
+          <p:nvPr/>
+        </p:nvSpPr>
+        <p:spPr>
+          <a:xfrm>
+            <a:off x="4486551" y="6513925"/>
+            <a:ext cx="6992000" cy="336000"/>
+          </a:xfrm>
+          <a:prstGeom prst="rect">
+            <a:avLst/>
+          </a:prstGeom>
+          <a:solidFill>
+            <a:srgbClr val="FFFFFF"/>
+          </a:solidFill>
+          <a:ln>
+            <a:noFill/>
+          </a:ln>
+        </p:spPr>
+        <p:txBody>
+          <a:bodyPr spcFirstLastPara="1" wrap="square" lIns="91433" tIns="91433" rIns="91433" bIns="91433" anchor="ctr" anchorCtr="0">
+            <a:noAutofit/>
+          </a:bodyPr>
+          <a:lstStyle/>
+          <a:p>
+            <a:endParaRPr sz="2400"/>
+          </a:p>
+        </p:txBody>
+      </p:sp>
+      <p:pic>
+        <p:nvPicPr>
+          <p:cNvPr id="6" name="Google Shape;280;p40">
+            <a:extLst>
+              <a:ext uri="{FF2B5EF4-FFF2-40B4-BE49-F238E27FC236}">
+                <a16:creationId xmlns:a16="http://schemas.microsoft.com/office/drawing/2014/main" id="{3F9E4B25-D47A-B378-39B8-8C1A3E3D50B7}"/>
+              </a:ext>
+            </a:extLst>
+          </p:cNvPr>
+          <p:cNvPicPr preferRelativeResize="0">
+            <a:picLocks noGrp="1"/>
+          </p:cNvPicPr>
+          <p:nvPr>
+            <p:ph idx="1"/>
+          </p:nvPr>
+        </p:nvPicPr>
+        <p:blipFill>
+          <a:blip r:embed="rId3">
+            <a:alphaModFix/>
+          </a:blip>
+          <a:stretch>
+            <a:fillRect/>
+          </a:stretch>
+        </p:blipFill>
+        <p:spPr>
+          <a:xfrm>
+            <a:off x="3757629" y="2286000"/>
+            <a:ext cx="4252880" cy="4022725"/>
+          </a:xfrm>
+          <a:prstGeom prst="rect">
+            <a:avLst/>
+          </a:prstGeom>
+          <a:noFill/>
+          <a:ln>
+            <a:noFill/>
+          </a:ln>
+        </p:spPr>
+      </p:pic>
+    </p:spTree>
+  </p:cSld>
+  <p:clrMapOvr>
+    <a:masterClrMapping/>
+  </p:clrMapOvr>
+  <p:timing>
+    <p:tnLst>
+      <p:par>
+        <p:cTn id="1" dur="indefinite" restart="never" nodeType="tmRoot">
+          <p:childTnLst>
+            <p:seq concurrent="1" nextAc="seek">
+              <p:cTn id="2" dur="indefinite" nodeType="mainSeq">
+                <p:childTnLst>
+                  <p:par>
+                    <p:cTn id="3" fill="hold">
+                      <p:stCondLst>
+                        <p:cond delay="indefinite"/>
+                      </p:stCondLst>
+                      <p:childTnLst>
+                        <p:par>
+                          <p:cTn id="4" fill="hold">
+                            <p:stCondLst>
+                              <p:cond delay="0"/>
+                            </p:stCondLst>
+                            <p:childTnLst>
+                              <p:par>
+                                <p:cTn id="5" presetID="1" presetClass="exit" presetSubtype="0" fill="hold" nodeType="clickEffect">
+                                  <p:stCondLst>
+                                    <p:cond delay="0"/>
+                                  </p:stCondLst>
+                                  <p:childTnLst>
+                                    <p:set>
+                                      <p:cBhvr>
+                                        <p:cTn id="6" dur="1" fill="hold">
+                                          <p:stCondLst>
+                                            <p:cond delay="1000"/>
+                                          </p:stCondLst>
+                                        </p:cTn>
+                                        <p:tgtEl>
+                                          <p:spTgt spid="282"/>
+                                        </p:tgtEl>
+                                        <p:attrNameLst>
+                                          <p:attrName>style.visibility</p:attrName>
+                                        </p:attrNameLst>
+                                      </p:cBhvr>
+                                      <p:to>
+                                        <p:strVal val="hidden"/>
+                                      </p:to>
+                                    </p:set>
+                                  </p:childTnLst>
+                                </p:cTn>
+                              </p:par>
+                              <p:par>
+                                <p:cTn id="7" presetID="1" presetClass="exit" presetSubtype="0" fill="hold" nodeType="withEffect">
+                                  <p:stCondLst>
+                                    <p:cond delay="0"/>
+                                  </p:stCondLst>
+                                  <p:childTnLst>
+                                    <p:set>
+                                      <p:cBhvr>
+                                        <p:cTn id="8" dur="1" fill="hold">
+                                          <p:stCondLst>
+                                            <p:cond delay="1000"/>
+                                          </p:stCondLst>
+                                        </p:cTn>
+                                        <p:tgtEl>
+                                          <p:spTgt spid="281"/>
+                                        </p:tgtEl>
+                                        <p:attrNameLst>
+                                          <p:attrName>style.visibility</p:attrName>
+                                        </p:attrNameLst>
+                                      </p:cBhvr>
+                                      <p:to>
+                                        <p:strVal val="hidden"/>
+                                      </p:to>
+                                    </p:set>
+                                  </p:childTnLst>
+                                </p:cTn>
+                              </p:par>
+                            </p:childTnLst>
+                          </p:cTn>
+                        </p:par>
+                      </p:childTnLst>
+                    </p:cTn>
+                  </p:par>
+                </p:childTnLst>
+              </p:cTn>
+              <p:prevCondLst>
+                <p:cond evt="onPrev" delay="0">
+                  <p:tgtEl>
+                    <p:sldTgt/>
+                  </p:tgtEl>
+                </p:cond>
+              </p:prevCondLst>
+              <p:nextCondLst>
+                <p:cond evt="onNext" delay="0">
+                  <p:tgtEl>
+                    <p:sldTgt/>
+                  </p:tgtEl>
+                </p:cond>
+              </p:nextCondLst>
+            </p:seq>
+          </p:childTnLst>
+        </p:cTn>
+      </p:par>
+    </p:tnLst>
+  </p:timing>
+</p:sld>
+</file>
+
+<file path=ppt/slides/slide11.xml><?xml version="1.0" encoding="utf-8"?>
+<p:sld xmlns:a="http://schemas.openxmlformats.org/drawingml/2006/main" xmlns:r="http://schemas.openxmlformats.org/officeDocument/2006/relationships" xmlns:p="http://schemas.openxmlformats.org/presentationml/2006/main">
+  <p:cSld>
+    <p:spTree>
+      <p:nvGrpSpPr>
         <p:cNvPr id="1" name="Shape 287"/>
         <p:cNvGrpSpPr/>
         <p:nvPr/>
@@ -11200,7 +11393,7 @@
 </p:sld>
 </file>
 
-<file path=ppt/slides/slide11.xml><?xml version="1.0" encoding="utf-8"?>
+<file path=ppt/slides/slide12.xml><?xml version="1.0" encoding="utf-8"?>
 <p:sld xmlns:a="http://schemas.openxmlformats.org/drawingml/2006/main" xmlns:r="http://schemas.openxmlformats.org/officeDocument/2006/relationships" xmlns:p="http://schemas.openxmlformats.org/presentationml/2006/main">
   <p:cSld>
     <p:spTree>
@@ -15138,7 +15331,7 @@
 </p:sld>
 </file>
 
-<file path=ppt/slides/slide12.xml><?xml version="1.0" encoding="utf-8"?>
+<file path=ppt/slides/slide13.xml><?xml version="1.0" encoding="utf-8"?>
 <p:sld xmlns:a="http://schemas.openxmlformats.org/drawingml/2006/main" xmlns:r="http://schemas.openxmlformats.org/officeDocument/2006/relationships" xmlns:p="http://schemas.openxmlformats.org/presentationml/2006/main">
   <p:cSld>
     <p:spTree>
@@ -15841,7 +16034,7 @@
 </p:sld>
 </file>
 
-<file path=ppt/slides/slide13.xml><?xml version="1.0" encoding="utf-8"?>
+<file path=ppt/slides/slide14.xml><?xml version="1.0" encoding="utf-8"?>
 <p:sld xmlns:a="http://schemas.openxmlformats.org/drawingml/2006/main" xmlns:r="http://schemas.openxmlformats.org/officeDocument/2006/relationships" xmlns:p="http://schemas.openxmlformats.org/presentationml/2006/main">
   <p:cSld>
     <p:spTree>
@@ -16759,7 +16952,7 @@
 </p:sld>
 </file>
 
-<file path=ppt/slides/slide14.xml><?xml version="1.0" encoding="utf-8"?>
+<file path=ppt/slides/slide15.xml><?xml version="1.0" encoding="utf-8"?>
 <p:sld xmlns:a="http://schemas.openxmlformats.org/drawingml/2006/main" xmlns:r="http://schemas.openxmlformats.org/officeDocument/2006/relationships" xmlns:p="http://schemas.openxmlformats.org/presentationml/2006/main">
   <p:cSld>
     <p:spTree>
@@ -20478,7 +20671,7 @@
 </p:sld>
 </file>
 
-<file path=ppt/slides/slide15.xml><?xml version="1.0" encoding="utf-8"?>
+<file path=ppt/slides/slide16.xml><?xml version="1.0" encoding="utf-8"?>
 <p:sld xmlns:a="http://schemas.openxmlformats.org/drawingml/2006/main" xmlns:r="http://schemas.openxmlformats.org/officeDocument/2006/relationships" xmlns:p="http://schemas.openxmlformats.org/presentationml/2006/main">
   <p:cSld>
     <p:spTree>
@@ -21320,7 +21513,7 @@
 </p:sld>
 </file>
 
-<file path=ppt/slides/slide16.xml><?xml version="1.0" encoding="utf-8"?>
+<file path=ppt/slides/slide17.xml><?xml version="1.0" encoding="utf-8"?>
 <p:sld xmlns:a="http://schemas.openxmlformats.org/drawingml/2006/main" xmlns:r="http://schemas.openxmlformats.org/officeDocument/2006/relationships" xmlns:p="http://schemas.openxmlformats.org/presentationml/2006/main">
   <p:cSld>
     <p:spTree>
@@ -21918,7 +22111,7 @@
 </p:sld>
 </file>
 
-<file path=ppt/slides/slide17.xml><?xml version="1.0" encoding="utf-8"?>
+<file path=ppt/slides/slide18.xml><?xml version="1.0" encoding="utf-8"?>
 <p:sld xmlns:a="http://schemas.openxmlformats.org/drawingml/2006/main" xmlns:r="http://schemas.openxmlformats.org/officeDocument/2006/relationships" xmlns:p="http://schemas.openxmlformats.org/presentationml/2006/main">
   <p:cSld>
     <p:spTree>
@@ -22311,7 +22504,7 @@
 </p:sld>
 </file>
 
-<file path=ppt/slides/slide18.xml><?xml version="1.0" encoding="utf-8"?>
+<file path=ppt/slides/slide19.xml><?xml version="1.0" encoding="utf-8"?>
 <p:sld xmlns:a="http://schemas.openxmlformats.org/drawingml/2006/main" xmlns:r="http://schemas.openxmlformats.org/officeDocument/2006/relationships" xmlns:p="http://schemas.openxmlformats.org/presentationml/2006/main">
   <p:cSld>
     <p:spTree>
@@ -22416,7 +22609,187 @@
 </p:sld>
 </file>
 
-<file path=ppt/slides/slide19.xml><?xml version="1.0" encoding="utf-8"?>
+<file path=ppt/slides/slide2.xml><?xml version="1.0" encoding="utf-8"?>
+<p:sld xmlns:a="http://schemas.openxmlformats.org/drawingml/2006/main" xmlns:r="http://schemas.openxmlformats.org/officeDocument/2006/relationships" xmlns:p="http://schemas.openxmlformats.org/presentationml/2006/main">
+  <p:cSld>
+    <p:spTree>
+      <p:nvGrpSpPr>
+        <p:cNvPr id="1" name=""/>
+        <p:cNvGrpSpPr/>
+        <p:nvPr/>
+      </p:nvGrpSpPr>
+      <p:grpSpPr>
+        <a:xfrm>
+          <a:off x="0" y="0"/>
+          <a:ext cx="0" cy="0"/>
+          <a:chOff x="0" y="0"/>
+          <a:chExt cx="0" cy="0"/>
+        </a:xfrm>
+      </p:grpSpPr>
+      <p:sp>
+        <p:nvSpPr>
+          <p:cNvPr id="5" name="Title 4">
+            <a:extLst>
+              <a:ext uri="{FF2B5EF4-FFF2-40B4-BE49-F238E27FC236}">
+                <a16:creationId xmlns:a16="http://schemas.microsoft.com/office/drawing/2014/main" id="{BB18CE12-650E-2D37-CB1E-12A6A6321EC9}"/>
+              </a:ext>
+            </a:extLst>
+          </p:cNvPr>
+          <p:cNvSpPr>
+            <a:spLocks noGrp="1"/>
+          </p:cNvSpPr>
+          <p:nvPr>
+            <p:ph type="title"/>
+          </p:nvPr>
+        </p:nvSpPr>
+        <p:spPr/>
+        <p:txBody>
+          <a:bodyPr/>
+          <a:lstStyle/>
+          <a:p>
+            <a:r>
+              <a:rPr lang="en-GB" dirty="0"/>
+              <a:t>Today’s workshop</a:t>
+            </a:r>
+          </a:p>
+        </p:txBody>
+      </p:sp>
+      <p:sp>
+        <p:nvSpPr>
+          <p:cNvPr id="6" name="Content Placeholder 5">
+            <a:extLst>
+              <a:ext uri="{FF2B5EF4-FFF2-40B4-BE49-F238E27FC236}">
+                <a16:creationId xmlns:a16="http://schemas.microsoft.com/office/drawing/2014/main" id="{0697DC28-E4FF-7F23-081C-81D3009BF193}"/>
+              </a:ext>
+            </a:extLst>
+          </p:cNvPr>
+          <p:cNvSpPr>
+            <a:spLocks noGrp="1"/>
+          </p:cNvSpPr>
+          <p:nvPr>
+            <p:ph idx="1"/>
+          </p:nvPr>
+        </p:nvSpPr>
+        <p:spPr/>
+        <p:txBody>
+          <a:bodyPr/>
+          <a:lstStyle/>
+          <a:p>
+            <a:endParaRPr lang="en-GB" dirty="0"/>
+          </a:p>
+        </p:txBody>
+      </p:sp>
+      <p:sp>
+        <p:nvSpPr>
+          <p:cNvPr id="7" name="Text Placeholder 6">
+            <a:extLst>
+              <a:ext uri="{FF2B5EF4-FFF2-40B4-BE49-F238E27FC236}">
+                <a16:creationId xmlns:a16="http://schemas.microsoft.com/office/drawing/2014/main" id="{0FCF576A-183B-7F82-D85A-3ADA4A2EA0EE}"/>
+              </a:ext>
+            </a:extLst>
+          </p:cNvPr>
+          <p:cNvSpPr>
+            <a:spLocks noGrp="1"/>
+          </p:cNvSpPr>
+          <p:nvPr>
+            <p:ph type="body" sz="half" idx="2"/>
+          </p:nvPr>
+        </p:nvSpPr>
+        <p:spPr/>
+        <p:txBody>
+          <a:bodyPr/>
+          <a:lstStyle/>
+          <a:p>
+            <a:r>
+              <a:rPr lang="en-GB" b="1" dirty="0"/>
+              <a:t>Prerequisites</a:t>
+            </a:r>
+          </a:p>
+          <a:p>
+            <a:pPr marL="285750" indent="-285750">
+              <a:buFont typeface="Arial" panose="020B0604020202020204" pitchFamily="34" charset="0"/>
+              <a:buChar char="•"/>
+            </a:pPr>
+            <a:r>
+              <a:rPr lang="en-GB" dirty="0"/>
+              <a:t>Basic understanding of R programming</a:t>
+            </a:r>
+          </a:p>
+          <a:p>
+            <a:pPr marL="285750" indent="-285750">
+              <a:buFont typeface="Arial" panose="020B0604020202020204" pitchFamily="34" charset="0"/>
+              <a:buChar char="•"/>
+            </a:pPr>
+            <a:r>
+              <a:rPr lang="en-GB" dirty="0"/>
+              <a:t>Familiarity with text mining and natural language processing concepts</a:t>
+            </a:r>
+          </a:p>
+          <a:p>
+            <a:pPr marL="285750" indent="-285750">
+              <a:buFont typeface="Arial" panose="020B0604020202020204" pitchFamily="34" charset="0"/>
+              <a:buChar char="•"/>
+            </a:pPr>
+            <a:r>
+              <a:rPr lang="en-GB" dirty="0"/>
+              <a:t>RStudio installed on your computer</a:t>
+            </a:r>
+          </a:p>
+          <a:p>
+            <a:pPr marL="285750" indent="-285750">
+              <a:buFont typeface="Arial" panose="020B0604020202020204" pitchFamily="34" charset="0"/>
+              <a:buChar char="•"/>
+            </a:pPr>
+            <a:r>
+              <a:rPr lang="en-GB" dirty="0"/>
+              <a:t>Access to internet</a:t>
+            </a:r>
+          </a:p>
+        </p:txBody>
+      </p:sp>
+      <p:sp>
+        <p:nvSpPr>
+          <p:cNvPr id="4" name="Slide Number Placeholder 3">
+            <a:extLst>
+              <a:ext uri="{FF2B5EF4-FFF2-40B4-BE49-F238E27FC236}">
+                <a16:creationId xmlns:a16="http://schemas.microsoft.com/office/drawing/2014/main" id="{0EC26562-E360-A9F6-BA79-24CDA46F2C00}"/>
+              </a:ext>
+            </a:extLst>
+          </p:cNvPr>
+          <p:cNvSpPr>
+            <a:spLocks noGrp="1"/>
+          </p:cNvSpPr>
+          <p:nvPr>
+            <p:ph type="sldNum" sz="quarter" idx="12"/>
+          </p:nvPr>
+        </p:nvSpPr>
+        <p:spPr/>
+        <p:txBody>
+          <a:bodyPr/>
+          <a:lstStyle/>
+          <a:p>
+            <a:fld id="{69E57DC2-970A-4B3E-BB1C-7A09969E49DF}" type="slidenum">
+              <a:rPr lang="en-US" smtClean="0"/>
+              <a:t>3</a:t>
+            </a:fld>
+            <a:endParaRPr lang="en-US" dirty="0"/>
+          </a:p>
+        </p:txBody>
+      </p:sp>
+    </p:spTree>
+    <p:extLst>
+      <p:ext uri="{BB962C8B-B14F-4D97-AF65-F5344CB8AC3E}">
+        <p14:creationId xmlns:p14="http://schemas.microsoft.com/office/powerpoint/2010/main" val="3238098290"/>
+      </p:ext>
+    </p:extLst>
+  </p:cSld>
+  <p:clrMapOvr>
+    <a:masterClrMapping/>
+  </p:clrMapOvr>
+</p:sld>
+</file>
+
+<file path=ppt/slides/slide20.xml><?xml version="1.0" encoding="utf-8"?>
 <p:sld xmlns:a="http://schemas.openxmlformats.org/drawingml/2006/main" xmlns:r="http://schemas.openxmlformats.org/officeDocument/2006/relationships" xmlns:p="http://schemas.openxmlformats.org/presentationml/2006/main">
   <p:cSld>
     <p:spTree>
@@ -22537,7 +22910,866 @@
 </p:sld>
 </file>
 
-<file path=ppt/slides/slide2.xml><?xml version="1.0" encoding="utf-8"?>
+<file path=ppt/slides/slide21.xml><?xml version="1.0" encoding="utf-8"?>
+<p:sld xmlns:a="http://schemas.openxmlformats.org/drawingml/2006/main" xmlns:r="http://schemas.openxmlformats.org/officeDocument/2006/relationships" xmlns:p="http://schemas.openxmlformats.org/presentationml/2006/main">
+  <p:cSld>
+    <p:spTree>
+      <p:nvGrpSpPr>
+        <p:cNvPr id="1" name="Shape 529"/>
+        <p:cNvGrpSpPr/>
+        <p:nvPr/>
+      </p:nvGrpSpPr>
+      <p:grpSpPr>
+        <a:xfrm>
+          <a:off x="0" y="0"/>
+          <a:ext cx="0" cy="0"/>
+          <a:chOff x="0" y="0"/>
+          <a:chExt cx="0" cy="0"/>
+        </a:xfrm>
+      </p:grpSpPr>
+      <p:sp>
+        <p:nvSpPr>
+          <p:cNvPr id="534" name="Google Shape;534;p59"/>
+          <p:cNvSpPr txBox="1">
+            <a:spLocks noGrp="1"/>
+          </p:cNvSpPr>
+          <p:nvPr>
+            <p:ph type="title"/>
+          </p:nvPr>
+        </p:nvSpPr>
+        <p:spPr>
+          <a:xfrm>
+            <a:off x="1024128" y="585216"/>
+            <a:ext cx="9720072" cy="1499616"/>
+          </a:xfrm>
+          <a:noFill/>
+          <a:ln>
+            <a:noFill/>
+          </a:ln>
+        </p:spPr>
+        <p:txBody>
+          <a:bodyPr spcFirstLastPara="1" vert="horz" wrap="square" lIns="91433" tIns="45700" rIns="91433" bIns="45700" rtlCol="0" anchor="ctr" anchorCtr="0">
+            <a:normAutofit/>
+          </a:bodyPr>
+          <a:lstStyle/>
+          <a:p>
+            <a:r>
+              <a:rPr lang="en-GB"/>
+              <a:t>ASPECT-BASED SA</a:t>
+            </a:r>
+            <a:endParaRPr lang="en-GB">
+              <a:sym typeface="Arial"/>
+            </a:endParaRPr>
+          </a:p>
+        </p:txBody>
+      </p:sp>
+      <p:pic>
+        <p:nvPicPr>
+          <p:cNvPr id="6" name="Google Shape;535;p59">
+            <a:extLst>
+              <a:ext uri="{FF2B5EF4-FFF2-40B4-BE49-F238E27FC236}">
+                <a16:creationId xmlns:a16="http://schemas.microsoft.com/office/drawing/2014/main" id="{8DAF337A-F5DD-041C-B42F-B237D63AC0A9}"/>
+              </a:ext>
+            </a:extLst>
+          </p:cNvPr>
+          <p:cNvPicPr preferRelativeResize="0">
+            <a:picLocks noGrp="1"/>
+          </p:cNvPicPr>
+          <p:nvPr>
+            <p:ph idx="1"/>
+          </p:nvPr>
+        </p:nvPicPr>
+        <p:blipFill rotWithShape="1">
+          <a:blip r:embed="rId3">
+            <a:alphaModFix/>
+          </a:blip>
+          <a:srcRect l="15536" t="4986" r="16161" b="19458"/>
+          <a:stretch/>
+        </p:blipFill>
+        <p:spPr>
+          <a:xfrm>
+            <a:off x="2558411" y="1750076"/>
+            <a:ext cx="7075178" cy="4607617"/>
+          </a:xfrm>
+          <a:prstGeom prst="rect">
+            <a:avLst/>
+          </a:prstGeom>
+          <a:noFill/>
+          <a:ln>
+            <a:noFill/>
+          </a:ln>
+        </p:spPr>
+      </p:pic>
+    </p:spTree>
+  </p:cSld>
+  <p:clrMapOvr>
+    <a:masterClrMapping/>
+  </p:clrMapOvr>
+</p:sld>
+</file>
+
+<file path=ppt/slides/slide22.xml><?xml version="1.0" encoding="utf-8"?>
+<p:sld xmlns:a="http://schemas.openxmlformats.org/drawingml/2006/main" xmlns:r="http://schemas.openxmlformats.org/officeDocument/2006/relationships" xmlns:p="http://schemas.openxmlformats.org/presentationml/2006/main">
+  <p:cSld>
+    <p:spTree>
+      <p:nvGrpSpPr>
+        <p:cNvPr id="1" name="Shape 539"/>
+        <p:cNvGrpSpPr/>
+        <p:nvPr/>
+      </p:nvGrpSpPr>
+      <p:grpSpPr>
+        <a:xfrm>
+          <a:off x="0" y="0"/>
+          <a:ext cx="0" cy="0"/>
+          <a:chOff x="0" y="0"/>
+          <a:chExt cx="0" cy="0"/>
+        </a:xfrm>
+      </p:grpSpPr>
+      <p:sp>
+        <p:nvSpPr>
+          <p:cNvPr id="540" name="Google Shape;540;p60"/>
+          <p:cNvSpPr txBox="1"/>
+          <p:nvPr/>
+        </p:nvSpPr>
+        <p:spPr>
+          <a:xfrm>
+            <a:off x="1011200" y="1853868"/>
+            <a:ext cx="10089600" cy="615513"/>
+          </a:xfrm>
+          <a:prstGeom prst="rect">
+            <a:avLst/>
+          </a:prstGeom>
+          <a:noFill/>
+          <a:ln>
+            <a:noFill/>
+          </a:ln>
+        </p:spPr>
+        <p:txBody>
+          <a:bodyPr spcFirstLastPara="1" wrap="square" lIns="121900" tIns="121900" rIns="121900" bIns="121900" anchor="t" anchorCtr="0">
+            <a:spAutoFit/>
+          </a:bodyPr>
+          <a:lstStyle/>
+          <a:p>
+            <a:r>
+              <a:rPr lang="it" sz="2400"/>
+              <a:t>Annotated sentences are used to train machine learning algorithms</a:t>
+            </a:r>
+            <a:endParaRPr sz="2400" b="1"/>
+          </a:p>
+        </p:txBody>
+      </p:sp>
+      <p:sp>
+        <p:nvSpPr>
+          <p:cNvPr id="545" name="Google Shape;545;p60"/>
+          <p:cNvSpPr txBox="1">
+            <a:spLocks noGrp="1"/>
+          </p:cNvSpPr>
+          <p:nvPr>
+            <p:ph type="title"/>
+          </p:nvPr>
+        </p:nvSpPr>
+        <p:spPr>
+          <a:xfrm>
+            <a:off x="1024128" y="585216"/>
+            <a:ext cx="9720072" cy="1499616"/>
+          </a:xfrm>
+          <a:noFill/>
+          <a:ln>
+            <a:noFill/>
+          </a:ln>
+        </p:spPr>
+        <p:txBody>
+          <a:bodyPr spcFirstLastPara="1" vert="horz" wrap="square" lIns="91433" tIns="45700" rIns="91433" bIns="45700" rtlCol="0" anchor="ctr" anchorCtr="0">
+            <a:normAutofit/>
+          </a:bodyPr>
+          <a:lstStyle/>
+          <a:p>
+            <a:r>
+              <a:rPr lang="en-GB"/>
+              <a:t>MACHINE LEARNING</a:t>
+            </a:r>
+            <a:endParaRPr lang="en-GB">
+              <a:sym typeface="Arial"/>
+            </a:endParaRPr>
+          </a:p>
+        </p:txBody>
+      </p:sp>
+      <p:pic>
+        <p:nvPicPr>
+          <p:cNvPr id="546" name="Google Shape;546;p60"/>
+          <p:cNvPicPr preferRelativeResize="0"/>
+          <p:nvPr/>
+        </p:nvPicPr>
+        <p:blipFill rotWithShape="1">
+          <a:blip r:embed="rId3">
+            <a:alphaModFix/>
+          </a:blip>
+          <a:srcRect b="7338"/>
+          <a:stretch/>
+        </p:blipFill>
+        <p:spPr>
+          <a:xfrm>
+            <a:off x="1018434" y="1574067"/>
+            <a:ext cx="10155101" cy="4601067"/>
+          </a:xfrm>
+          <a:prstGeom prst="rect">
+            <a:avLst/>
+          </a:prstGeom>
+          <a:noFill/>
+          <a:ln>
+            <a:noFill/>
+          </a:ln>
+        </p:spPr>
+      </p:pic>
+      <p:sp>
+        <p:nvSpPr>
+          <p:cNvPr id="547" name="Google Shape;547;p60"/>
+          <p:cNvSpPr/>
+          <p:nvPr/>
+        </p:nvSpPr>
+        <p:spPr>
+          <a:xfrm>
+            <a:off x="8672967" y="4070733"/>
+            <a:ext cx="778000" cy="285200"/>
+          </a:xfrm>
+          <a:prstGeom prst="rect">
+            <a:avLst/>
+          </a:prstGeom>
+          <a:solidFill>
+            <a:srgbClr val="FFFFFF"/>
+          </a:solidFill>
+          <a:ln>
+            <a:noFill/>
+          </a:ln>
+        </p:spPr>
+        <p:txBody>
+          <a:bodyPr spcFirstLastPara="1" wrap="square" lIns="121900" tIns="121900" rIns="121900" bIns="121900" anchor="ctr" anchorCtr="0">
+            <a:noAutofit/>
+          </a:bodyPr>
+          <a:lstStyle/>
+          <a:p>
+            <a:endParaRPr sz="2400"/>
+          </a:p>
+        </p:txBody>
+      </p:sp>
+      <p:sp>
+        <p:nvSpPr>
+          <p:cNvPr id="548" name="Google Shape;548;p60"/>
+          <p:cNvSpPr/>
+          <p:nvPr/>
+        </p:nvSpPr>
+        <p:spPr>
+          <a:xfrm>
+            <a:off x="8672967" y="4986933"/>
+            <a:ext cx="778000" cy="285200"/>
+          </a:xfrm>
+          <a:prstGeom prst="rect">
+            <a:avLst/>
+          </a:prstGeom>
+          <a:solidFill>
+            <a:srgbClr val="FFFFFF"/>
+          </a:solidFill>
+          <a:ln>
+            <a:noFill/>
+          </a:ln>
+        </p:spPr>
+        <p:txBody>
+          <a:bodyPr spcFirstLastPara="1" wrap="square" lIns="121900" tIns="121900" rIns="121900" bIns="121900" anchor="ctr" anchorCtr="0">
+            <a:noAutofit/>
+          </a:bodyPr>
+          <a:lstStyle/>
+          <a:p>
+            <a:endParaRPr sz="2400"/>
+          </a:p>
+        </p:txBody>
+      </p:sp>
+      <p:pic>
+        <p:nvPicPr>
+          <p:cNvPr id="549" name="Google Shape;549;p60"/>
+          <p:cNvPicPr preferRelativeResize="0"/>
+          <p:nvPr/>
+        </p:nvPicPr>
+        <p:blipFill rotWithShape="1">
+          <a:blip r:embed="rId4">
+            <a:alphaModFix/>
+          </a:blip>
+          <a:srcRect l="11305" r="13325"/>
+          <a:stretch/>
+        </p:blipFill>
+        <p:spPr>
+          <a:xfrm>
+            <a:off x="4804832" y="3817067"/>
+            <a:ext cx="2502337" cy="1455067"/>
+          </a:xfrm>
+          <a:prstGeom prst="rect">
+            <a:avLst/>
+          </a:prstGeom>
+          <a:noFill/>
+          <a:ln>
+            <a:noFill/>
+          </a:ln>
+        </p:spPr>
+      </p:pic>
+    </p:spTree>
+  </p:cSld>
+  <p:clrMapOvr>
+    <a:masterClrMapping/>
+  </p:clrMapOvr>
+</p:sld>
+</file>
+
+<file path=ppt/slides/slide23.xml><?xml version="1.0" encoding="utf-8"?>
+<p:sld xmlns:a="http://schemas.openxmlformats.org/drawingml/2006/main" xmlns:r="http://schemas.openxmlformats.org/officeDocument/2006/relationships" xmlns:p="http://schemas.openxmlformats.org/presentationml/2006/main">
+  <p:cSld>
+    <p:spTree>
+      <p:nvGrpSpPr>
+        <p:cNvPr id="1" name="Shape 553"/>
+        <p:cNvGrpSpPr/>
+        <p:nvPr/>
+      </p:nvGrpSpPr>
+      <p:grpSpPr>
+        <a:xfrm>
+          <a:off x="0" y="0"/>
+          <a:ext cx="0" cy="0"/>
+          <a:chOff x="0" y="0"/>
+          <a:chExt cx="0" cy="0"/>
+        </a:xfrm>
+      </p:grpSpPr>
+      <p:sp>
+        <p:nvSpPr>
+          <p:cNvPr id="554" name="Google Shape;554;p61"/>
+          <p:cNvSpPr txBox="1"/>
+          <p:nvPr/>
+        </p:nvSpPr>
+        <p:spPr>
+          <a:xfrm>
+            <a:off x="1011200" y="1853868"/>
+            <a:ext cx="10089600" cy="615513"/>
+          </a:xfrm>
+          <a:prstGeom prst="rect">
+            <a:avLst/>
+          </a:prstGeom>
+          <a:noFill/>
+          <a:ln>
+            <a:noFill/>
+          </a:ln>
+        </p:spPr>
+        <p:txBody>
+          <a:bodyPr spcFirstLastPara="1" wrap="square" lIns="121900" tIns="121900" rIns="121900" bIns="121900" anchor="t" anchorCtr="0">
+            <a:spAutoFit/>
+          </a:bodyPr>
+          <a:lstStyle/>
+          <a:p>
+            <a:r>
+              <a:rPr lang="it" sz="2400"/>
+              <a:t>Annotated sentences are used to train machine learning algorithms</a:t>
+            </a:r>
+            <a:endParaRPr sz="2400" b="1"/>
+          </a:p>
+        </p:txBody>
+      </p:sp>
+      <p:sp>
+        <p:nvSpPr>
+          <p:cNvPr id="559" name="Google Shape;559;p61"/>
+          <p:cNvSpPr txBox="1">
+            <a:spLocks noGrp="1"/>
+          </p:cNvSpPr>
+          <p:nvPr>
+            <p:ph type="title"/>
+          </p:nvPr>
+        </p:nvSpPr>
+        <p:spPr>
+          <a:xfrm>
+            <a:off x="1024128" y="585216"/>
+            <a:ext cx="9720072" cy="1499616"/>
+          </a:xfrm>
+          <a:noFill/>
+          <a:ln>
+            <a:noFill/>
+          </a:ln>
+        </p:spPr>
+        <p:txBody>
+          <a:bodyPr spcFirstLastPara="1" vert="horz" wrap="square" lIns="91433" tIns="45700" rIns="91433" bIns="45700" rtlCol="0" anchor="ctr" anchorCtr="0">
+            <a:normAutofit/>
+          </a:bodyPr>
+          <a:lstStyle/>
+          <a:p>
+            <a:r>
+              <a:rPr lang="en-GB"/>
+              <a:t>MACHINE LEARNING</a:t>
+            </a:r>
+            <a:endParaRPr lang="en-GB">
+              <a:sym typeface="Arial"/>
+            </a:endParaRPr>
+          </a:p>
+        </p:txBody>
+      </p:sp>
+      <p:pic>
+        <p:nvPicPr>
+          <p:cNvPr id="560" name="Google Shape;560;p61"/>
+          <p:cNvPicPr preferRelativeResize="0"/>
+          <p:nvPr/>
+        </p:nvPicPr>
+        <p:blipFill rotWithShape="1">
+          <a:blip r:embed="rId3">
+            <a:alphaModFix/>
+          </a:blip>
+          <a:srcRect b="7338"/>
+          <a:stretch/>
+        </p:blipFill>
+        <p:spPr>
+          <a:xfrm>
+            <a:off x="1018434" y="1574067"/>
+            <a:ext cx="10155101" cy="4601067"/>
+          </a:xfrm>
+          <a:prstGeom prst="rect">
+            <a:avLst/>
+          </a:prstGeom>
+          <a:noFill/>
+          <a:ln>
+            <a:noFill/>
+          </a:ln>
+        </p:spPr>
+      </p:pic>
+      <p:pic>
+        <p:nvPicPr>
+          <p:cNvPr id="561" name="Google Shape;561;p61"/>
+          <p:cNvPicPr preferRelativeResize="0"/>
+          <p:nvPr/>
+        </p:nvPicPr>
+        <p:blipFill rotWithShape="1">
+          <a:blip r:embed="rId4">
+            <a:alphaModFix/>
+          </a:blip>
+          <a:srcRect l="11305" r="13325"/>
+          <a:stretch/>
+        </p:blipFill>
+        <p:spPr>
+          <a:xfrm>
+            <a:off x="4804832" y="3817067"/>
+            <a:ext cx="2502337" cy="1455067"/>
+          </a:xfrm>
+          <a:prstGeom prst="rect">
+            <a:avLst/>
+          </a:prstGeom>
+          <a:noFill/>
+          <a:ln>
+            <a:noFill/>
+          </a:ln>
+        </p:spPr>
+      </p:pic>
+    </p:spTree>
+  </p:cSld>
+  <p:clrMapOvr>
+    <a:masterClrMapping/>
+  </p:clrMapOvr>
+</p:sld>
+</file>
+
+<file path=ppt/slides/slide24.xml><?xml version="1.0" encoding="utf-8"?>
+<p:sld xmlns:a="http://schemas.openxmlformats.org/drawingml/2006/main" xmlns:r="http://schemas.openxmlformats.org/officeDocument/2006/relationships" xmlns:p="http://schemas.openxmlformats.org/presentationml/2006/main">
+  <p:cSld>
+    <p:spTree>
+      <p:nvGrpSpPr>
+        <p:cNvPr id="1" name="Shape 218"/>
+        <p:cNvGrpSpPr/>
+        <p:nvPr/>
+      </p:nvGrpSpPr>
+      <p:grpSpPr>
+        <a:xfrm>
+          <a:off x="0" y="0"/>
+          <a:ext cx="0" cy="0"/>
+          <a:chOff x="0" y="0"/>
+          <a:chExt cx="0" cy="0"/>
+        </a:xfrm>
+      </p:grpSpPr>
+      <p:sp>
+        <p:nvSpPr>
+          <p:cNvPr id="224" name="Google Shape;224;p34"/>
+          <p:cNvSpPr txBox="1">
+            <a:spLocks noGrp="1"/>
+          </p:cNvSpPr>
+          <p:nvPr>
+            <p:ph type="title"/>
+          </p:nvPr>
+        </p:nvSpPr>
+        <p:spPr>
+          <a:noFill/>
+          <a:ln>
+            <a:noFill/>
+          </a:ln>
+        </p:spPr>
+        <p:txBody>
+          <a:bodyPr spcFirstLastPara="1" vert="horz" wrap="square" lIns="91433" tIns="45700" rIns="91433" bIns="45700" rtlCol="0" anchor="ctr" anchorCtr="0">
+            <a:normAutofit/>
+          </a:bodyPr>
+          <a:lstStyle/>
+          <a:p>
+            <a:r>
+              <a:rPr lang="en-GB" dirty="0"/>
+              <a:t>SENTIMENT ANALYSIS - CRITICAL ASPECTS</a:t>
+            </a:r>
+            <a:endParaRPr lang="en-GB" dirty="0">
+              <a:sym typeface="Arial"/>
+            </a:endParaRPr>
+          </a:p>
+        </p:txBody>
+      </p:sp>
+      <p:sp>
+        <p:nvSpPr>
+          <p:cNvPr id="3" name="Content Placeholder 2">
+            <a:extLst>
+              <a:ext uri="{FF2B5EF4-FFF2-40B4-BE49-F238E27FC236}">
+                <a16:creationId xmlns:a16="http://schemas.microsoft.com/office/drawing/2014/main" id="{533B17AF-ECFA-640A-91AA-949D87610F07}"/>
+              </a:ext>
+            </a:extLst>
+          </p:cNvPr>
+          <p:cNvSpPr>
+            <a:spLocks noGrp="1"/>
+          </p:cNvSpPr>
+          <p:nvPr>
+            <p:ph sz="half" idx="1"/>
+          </p:nvPr>
+        </p:nvSpPr>
+        <p:spPr>
+          <a:xfrm>
+            <a:off x="600455" y="1884970"/>
+            <a:ext cx="5265637" cy="4728755"/>
+          </a:xfrm>
+        </p:spPr>
+        <p:txBody>
+          <a:bodyPr>
+            <a:normAutofit/>
+          </a:bodyPr>
+          <a:lstStyle/>
+          <a:p>
+            <a:pPr>
+              <a:buFont typeface="Arial" panose="020B0604020202020204" pitchFamily="34" charset="0"/>
+              <a:buChar char="•"/>
+            </a:pPr>
+            <a:r>
+              <a:rPr lang="en-GB" sz="1400" b="1" dirty="0"/>
+              <a:t>Subjectivity</a:t>
+            </a:r>
+            <a:r>
+              <a:rPr lang="en-GB" sz="1400" dirty="0"/>
+              <a:t>: Sentiment analysis algorithms may struggle to accurately interpret nuanced or ambiguous language, leading to subjective interpretations of sentiment. Context, tone, sarcasm, and cultural nuances can significantly impact the accuracy of sentiment analysis.</a:t>
+            </a:r>
+          </a:p>
+          <a:p>
+            <a:pPr>
+              <a:buFont typeface="Arial" panose="020B0604020202020204" pitchFamily="34" charset="0"/>
+              <a:buChar char="•"/>
+            </a:pPr>
+            <a:r>
+              <a:rPr lang="en-GB" sz="1400" b="1" dirty="0"/>
+              <a:t>Ambiguity and Polysemy</a:t>
+            </a:r>
+            <a:r>
+              <a:rPr lang="en-GB" sz="1400" dirty="0"/>
+              <a:t>: Words often have multiple meanings depending on context, which can lead to misinterpretations in sentiment analysis. For example, the word "sick" could be interpreted positively (e.g., "That's sick!") or negatively (e.g., "I feel sick") depending on the context.</a:t>
+            </a:r>
+          </a:p>
+          <a:p>
+            <a:pPr>
+              <a:buFont typeface="Arial" panose="020B0604020202020204" pitchFamily="34" charset="0"/>
+              <a:buChar char="•"/>
+            </a:pPr>
+            <a:r>
+              <a:rPr lang="en-GB" sz="1400" b="1" dirty="0"/>
+              <a:t>Irony and Sarcasm</a:t>
+            </a:r>
+            <a:r>
+              <a:rPr lang="en-GB" sz="1400" dirty="0"/>
+              <a:t>: Sentiment analysis algorithms may have difficulty detecting irony, sarcasm, or other forms of figurative language, leading to inaccurate sentiment analysis results. For instance, a statement like "Great, another Monday!" might be sarcastic but could be interpreted as positive sentiment by an algorithm.</a:t>
+            </a:r>
+          </a:p>
+          <a:p>
+            <a:pPr>
+              <a:buFont typeface="Arial" panose="020B0604020202020204" pitchFamily="34" charset="0"/>
+              <a:buChar char="•"/>
+            </a:pPr>
+            <a:r>
+              <a:rPr lang="en-GB" sz="1400" b="1" dirty="0"/>
+              <a:t>Context Sensitivity</a:t>
+            </a:r>
+            <a:r>
+              <a:rPr lang="en-GB" sz="1400" dirty="0"/>
+              <a:t>: The meaning of a statement can change based on the surrounding context, which may not always be captured by sentiment analysis algorithms. Without understanding the broader context, sentiment analysis may produce misleading results.</a:t>
+            </a:r>
+          </a:p>
+        </p:txBody>
+      </p:sp>
+      <p:sp>
+        <p:nvSpPr>
+          <p:cNvPr id="2" name="Content Placeholder 1">
+            <a:extLst>
+              <a:ext uri="{FF2B5EF4-FFF2-40B4-BE49-F238E27FC236}">
+                <a16:creationId xmlns:a16="http://schemas.microsoft.com/office/drawing/2014/main" id="{A2A6F9A4-235E-174F-BF1D-A182EDE02C04}"/>
+              </a:ext>
+            </a:extLst>
+          </p:cNvPr>
+          <p:cNvSpPr>
+            <a:spLocks noGrp="1"/>
+          </p:cNvSpPr>
+          <p:nvPr>
+            <p:ph sz="half" idx="2"/>
+          </p:nvPr>
+        </p:nvSpPr>
+        <p:spPr>
+          <a:xfrm>
+            <a:off x="6190488" y="1884970"/>
+            <a:ext cx="5265638" cy="4728753"/>
+          </a:xfrm>
+        </p:spPr>
+        <p:txBody>
+          <a:bodyPr>
+            <a:normAutofit/>
+          </a:bodyPr>
+          <a:lstStyle/>
+          <a:p>
+            <a:pPr>
+              <a:buFont typeface="Arial" panose="020B0604020202020204" pitchFamily="34" charset="0"/>
+              <a:buChar char="•"/>
+            </a:pPr>
+            <a:r>
+              <a:rPr lang="en-GB" sz="1400" b="1" dirty="0"/>
+              <a:t>Data Bias</a:t>
+            </a:r>
+            <a:r>
+              <a:rPr lang="en-GB" sz="1400" dirty="0"/>
+              <a:t>: Sentiment analysis models are trained on large datasets, which may contain biases inherent in the data, such as demographic biases, cultural biases, or biases introduced through the </a:t>
+            </a:r>
+            <a:r>
+              <a:rPr lang="en-GB" sz="1400" dirty="0" err="1"/>
+              <a:t>labeling</a:t>
+            </a:r>
+            <a:r>
+              <a:rPr lang="en-GB" sz="1400" dirty="0"/>
+              <a:t> process. These biases can affect the generalizability and fairness of sentiment analysis results.</a:t>
+            </a:r>
+          </a:p>
+          <a:p>
+            <a:pPr algn="l">
+              <a:buFont typeface="Arial" panose="020B0604020202020204" pitchFamily="34" charset="0"/>
+              <a:buChar char="•"/>
+            </a:pPr>
+            <a:r>
+              <a:rPr lang="en-GB" sz="1400" b="1" dirty="0"/>
+              <a:t>Language Complexity</a:t>
+            </a:r>
+            <a:r>
+              <a:rPr lang="en-GB" sz="1400" dirty="0"/>
+              <a:t>: Sentiment analysis becomes more challenging with languages that exhibit complex grammatical structures, ambiguous word meanings, or lack of standardized spelling and grammar rules. This complexity can reduce the accuracy of sentiment analysis for such languages.</a:t>
+            </a:r>
+          </a:p>
+          <a:p>
+            <a:pPr algn="l">
+              <a:buFont typeface="Arial" panose="020B0604020202020204" pitchFamily="34" charset="0"/>
+              <a:buChar char="•"/>
+            </a:pPr>
+            <a:r>
+              <a:rPr lang="en-GB" sz="1400" b="1" dirty="0"/>
+              <a:t>Domain Specificity</a:t>
+            </a:r>
+            <a:r>
+              <a:rPr lang="en-GB" sz="1400" dirty="0"/>
+              <a:t>: Sentiment analysis models trained on general datasets may not perform well when applied to specific domains or industries with unique terminology, jargon, or sentiment expressions. Domain-specific customization or fine-tuning of models may be necessary for accurate sentiment analysis in specialized contexts.</a:t>
+            </a:r>
+          </a:p>
+          <a:p>
+            <a:pPr algn="l">
+              <a:buFont typeface="Arial" panose="020B0604020202020204" pitchFamily="34" charset="0"/>
+              <a:buChar char="•"/>
+            </a:pPr>
+            <a:r>
+              <a:rPr lang="en-GB" sz="1400" b="1" dirty="0"/>
+              <a:t>Temporal Dynamics</a:t>
+            </a:r>
+            <a:r>
+              <a:rPr lang="en-GB" sz="1400" dirty="0"/>
+              <a:t>: Sentiments can change over time due to evolving trends, events, or public opinion. Static sentiment analysis models may not capture these temporal dynamics, leading to outdated or inaccurate sentiment predictions.</a:t>
+            </a:r>
+          </a:p>
+          <a:p>
+            <a:pPr>
+              <a:buFont typeface="Arial" panose="020B0604020202020204" pitchFamily="34" charset="0"/>
+              <a:buChar char="•"/>
+            </a:pPr>
+            <a:endParaRPr lang="en-GB" sz="1400" dirty="0"/>
+          </a:p>
+        </p:txBody>
+      </p:sp>
+    </p:spTree>
+  </p:cSld>
+  <p:clrMapOvr>
+    <a:masterClrMapping/>
+  </p:clrMapOvr>
+</p:sld>
+</file>
+
+<file path=ppt/slides/slide3.xml><?xml version="1.0" encoding="utf-8"?>
+<p:sld xmlns:a="http://schemas.openxmlformats.org/drawingml/2006/main" xmlns:r="http://schemas.openxmlformats.org/officeDocument/2006/relationships" xmlns:p="http://schemas.openxmlformats.org/presentationml/2006/main">
+  <p:cSld>
+    <p:spTree>
+      <p:nvGrpSpPr>
+        <p:cNvPr id="1" name=""/>
+        <p:cNvGrpSpPr/>
+        <p:nvPr/>
+      </p:nvGrpSpPr>
+      <p:grpSpPr>
+        <a:xfrm>
+          <a:off x="0" y="0"/>
+          <a:ext cx="0" cy="0"/>
+          <a:chOff x="0" y="0"/>
+          <a:chExt cx="0" cy="0"/>
+        </a:xfrm>
+      </p:grpSpPr>
+      <p:sp>
+        <p:nvSpPr>
+          <p:cNvPr id="2" name="Title 1">
+            <a:extLst>
+              <a:ext uri="{FF2B5EF4-FFF2-40B4-BE49-F238E27FC236}">
+                <a16:creationId xmlns:a16="http://schemas.microsoft.com/office/drawing/2014/main" id="{11C0C376-30D4-2171-388E-9CE19518C412}"/>
+              </a:ext>
+            </a:extLst>
+          </p:cNvPr>
+          <p:cNvSpPr>
+            <a:spLocks noGrp="1"/>
+          </p:cNvSpPr>
+          <p:nvPr>
+            <p:ph type="title"/>
+          </p:nvPr>
+        </p:nvSpPr>
+        <p:spPr/>
+        <p:txBody>
+          <a:bodyPr/>
+          <a:lstStyle/>
+          <a:p>
+            <a:r>
+              <a:rPr lang="en-GB" dirty="0"/>
+              <a:t>What is sentiment analysis?</a:t>
+            </a:r>
+          </a:p>
+        </p:txBody>
+      </p:sp>
+      <p:sp>
+        <p:nvSpPr>
+          <p:cNvPr id="3" name="Content Placeholder 2">
+            <a:extLst>
+              <a:ext uri="{FF2B5EF4-FFF2-40B4-BE49-F238E27FC236}">
+                <a16:creationId xmlns:a16="http://schemas.microsoft.com/office/drawing/2014/main" id="{CEF08D7D-E832-F4A6-E39E-B6358ED48BA2}"/>
+              </a:ext>
+            </a:extLst>
+          </p:cNvPr>
+          <p:cNvSpPr>
+            <a:spLocks noGrp="1"/>
+          </p:cNvSpPr>
+          <p:nvPr>
+            <p:ph idx="1"/>
+          </p:nvPr>
+        </p:nvSpPr>
+        <p:spPr/>
+        <p:txBody>
+          <a:bodyPr vert="horz" lIns="45720" tIns="45720" rIns="45720" bIns="45720" rtlCol="0">
+            <a:normAutofit/>
+          </a:bodyPr>
+          <a:lstStyle/>
+          <a:p>
+            <a:pPr marL="0" indent="0">
+              <a:buNone/>
+            </a:pPr>
+            <a:r>
+              <a:rPr lang="en-GB" dirty="0"/>
+              <a:t>Sentiment Analysis is a subfield of Natural Language Processing (NLP) that involves determining the emotional/sentiment value of a text. It's used to gain an understanding of the attitudes, opinions, and emotions expressed within a text or corpus of texts.</a:t>
+            </a:r>
+          </a:p>
+          <a:p>
+            <a:pPr marL="0" indent="0">
+              <a:buNone/>
+            </a:pPr>
+            <a:r>
+              <a:rPr lang="en-GB" dirty="0"/>
+              <a:t>In the context of Digital Humanities, sentiment analysis can be used to understand human behaviour in digital spaces, analyse texts from books, social media, blogs, websites, and other digital platforms to extract useful insights.</a:t>
+            </a:r>
+          </a:p>
+          <a:p>
+            <a:pPr marL="0" indent="0">
+              <a:buNone/>
+            </a:pPr>
+            <a:r>
+              <a:rPr lang="en-GB" dirty="0"/>
+              <a:t>Sentiment analysis is, in short, </a:t>
+            </a:r>
+            <a:r>
+              <a:rPr lang="en-GB" b="1" dirty="0"/>
+              <a:t>the process of extracting the emotional value of a text</a:t>
+            </a:r>
+            <a:r>
+              <a:rPr lang="en-GB" dirty="0"/>
+              <a:t>. In its most simple form, it accounts for either positive or negative sentiment. However, more complex models can account for a wider range of emotions, such as joy, anger, sadness, and fear.</a:t>
+            </a:r>
+          </a:p>
+          <a:p>
+            <a:pPr marL="0" indent="0">
+              <a:buNone/>
+            </a:pPr>
+            <a:r>
+              <a:rPr lang="en-GB" dirty="0"/>
+              <a:t>In this workshop, we will have a look at how sentiment analysis can be performed with R.</a:t>
+            </a:r>
+          </a:p>
+          <a:p>
+            <a:pPr marL="0" indent="0">
+              <a:buNone/>
+            </a:pPr>
+            <a:endParaRPr lang="en-GB" dirty="0"/>
+          </a:p>
+        </p:txBody>
+      </p:sp>
+      <p:sp>
+        <p:nvSpPr>
+          <p:cNvPr id="4" name="Slide Number Placeholder 3">
+            <a:extLst>
+              <a:ext uri="{FF2B5EF4-FFF2-40B4-BE49-F238E27FC236}">
+                <a16:creationId xmlns:a16="http://schemas.microsoft.com/office/drawing/2014/main" id="{3F73BA05-5804-ED9A-60A9-B3F3CE9B1A8A}"/>
+              </a:ext>
+            </a:extLst>
+          </p:cNvPr>
+          <p:cNvSpPr>
+            <a:spLocks noGrp="1"/>
+          </p:cNvSpPr>
+          <p:nvPr>
+            <p:ph type="sldNum" sz="quarter" idx="12"/>
+          </p:nvPr>
+        </p:nvSpPr>
+        <p:spPr/>
+        <p:txBody>
+          <a:bodyPr/>
+          <a:lstStyle/>
+          <a:p>
+            <a:fld id="{69E57DC2-970A-4B3E-BB1C-7A09969E49DF}" type="slidenum">
+              <a:rPr lang="en-US" smtClean="0"/>
+              <a:t>4</a:t>
+            </a:fld>
+            <a:endParaRPr lang="en-US" dirty="0"/>
+          </a:p>
+        </p:txBody>
+      </p:sp>
+    </p:spTree>
+    <p:extLst>
+      <p:ext uri="{BB962C8B-B14F-4D97-AF65-F5344CB8AC3E}">
+        <p14:creationId xmlns:p14="http://schemas.microsoft.com/office/powerpoint/2010/main" val="1169180810"/>
+      </p:ext>
+    </p:extLst>
+  </p:cSld>
+  <p:clrMapOvr>
+    <a:masterClrMapping/>
+  </p:clrMapOvr>
+</p:sld>
+</file>
+
+<file path=ppt/slides/slide4.xml><?xml version="1.0" encoding="utf-8"?>
 <p:sld xmlns:a="http://schemas.openxmlformats.org/drawingml/2006/main" xmlns:r="http://schemas.openxmlformats.org/officeDocument/2006/relationships" xmlns:p="http://schemas.openxmlformats.org/presentationml/2006/main">
   <p:cSld>
     <p:spTree>
@@ -22562,8 +23794,8 @@
         </p:nvSpPr>
         <p:spPr>
           <a:xfrm>
-            <a:off x="9519920" y="1888355"/>
-            <a:ext cx="2032000" cy="3894000"/>
+            <a:off x="9519920" y="2660073"/>
+            <a:ext cx="2032000" cy="3122282"/>
           </a:xfrm>
           <a:prstGeom prst="rect">
             <a:avLst/>
@@ -22611,13 +23843,15 @@
       <p:cxnSp>
         <p:nvCxnSpPr>
           <p:cNvPr id="149" name="Google Shape;149;p27"/>
-          <p:cNvCxnSpPr/>
+          <p:cNvCxnSpPr>
+            <a:cxnSpLocks/>
+          </p:cNvCxnSpPr>
           <p:nvPr/>
         </p:nvCxnSpPr>
         <p:spPr>
-          <a:xfrm rot="10800000" flipH="1">
-            <a:off x="4592320" y="2097241"/>
-            <a:ext cx="4927600" cy="899200"/>
+          <a:xfrm flipV="1">
+            <a:off x="4592320" y="3292485"/>
+            <a:ext cx="4179304" cy="686586"/>
           </a:xfrm>
           <a:prstGeom prst="straightConnector1">
             <a:avLst/>
@@ -22637,13 +23871,15 @@
       <p:cxnSp>
         <p:nvCxnSpPr>
           <p:cNvPr id="150" name="Google Shape;150;p27"/>
-          <p:cNvCxnSpPr/>
+          <p:cNvCxnSpPr>
+            <a:cxnSpLocks/>
+          </p:cNvCxnSpPr>
           <p:nvPr/>
         </p:nvCxnSpPr>
         <p:spPr>
           <a:xfrm>
-            <a:off x="4592320" y="4795521"/>
-            <a:ext cx="4927600" cy="294400"/>
+            <a:off x="4542971" y="5527665"/>
+            <a:ext cx="4399148" cy="0"/>
           </a:xfrm>
           <a:prstGeom prst="straightConnector1">
             <a:avLst/>
@@ -22668,8 +23904,8 @@
         </p:nvSpPr>
         <p:spPr>
           <a:xfrm>
-            <a:off x="8333424" y="2218375"/>
-            <a:ext cx="876400" cy="461600"/>
+            <a:off x="8178624" y="2674069"/>
+            <a:ext cx="876400" cy="370120"/>
           </a:xfrm>
           <a:prstGeom prst="rect">
             <a:avLst/>
@@ -22686,7 +23922,7 @@
           <a:lstStyle/>
           <a:p>
             <a:r>
-              <a:rPr lang="it" sz="2400">
+              <a:rPr lang="it" sz="2400" dirty="0">
                 <a:solidFill>
                   <a:schemeClr val="dk1"/>
                 </a:solidFill>
@@ -22697,7 +23933,7 @@
               </a:rPr>
               <a:t>+0.9</a:t>
             </a:r>
-            <a:endParaRPr sz="2400">
+            <a:endParaRPr sz="2400" dirty="0">
               <a:solidFill>
                 <a:schemeClr val="dk1"/>
               </a:solidFill>
@@ -22717,8 +23953,8 @@
         </p:nvSpPr>
         <p:spPr>
           <a:xfrm>
-            <a:off x="8488471" y="4624028"/>
-            <a:ext cx="721600" cy="461600"/>
+            <a:off x="8333424" y="4888839"/>
+            <a:ext cx="721600" cy="370120"/>
           </a:xfrm>
           <a:prstGeom prst="rect">
             <a:avLst/>
@@ -22735,7 +23971,7 @@
           <a:lstStyle/>
           <a:p>
             <a:r>
-              <a:rPr lang="it" sz="2400">
+              <a:rPr lang="it" sz="2400" dirty="0">
                 <a:solidFill>
                   <a:schemeClr val="dk1"/>
                 </a:solidFill>
@@ -22746,7 +23982,7 @@
               </a:rPr>
               <a:t>-0.5</a:t>
             </a:r>
-            <a:endParaRPr sz="2400">
+            <a:endParaRPr sz="2400" dirty="0">
               <a:solidFill>
                 <a:schemeClr val="dk1"/>
               </a:solidFill>
@@ -22766,8 +24002,8 @@
         </p:nvSpPr>
         <p:spPr>
           <a:xfrm>
-            <a:off x="9965520" y="1081884"/>
-            <a:ext cx="1140800" cy="506408"/>
+            <a:off x="9915050" y="2013582"/>
+            <a:ext cx="1140800" cy="406047"/>
           </a:xfrm>
           <a:prstGeom prst="rect">
             <a:avLst/>
@@ -22815,8 +24051,8 @@
         </p:nvSpPr>
         <p:spPr>
           <a:xfrm>
-            <a:off x="10006552" y="5782355"/>
-            <a:ext cx="1140800" cy="506408"/>
+            <a:off x="10006552" y="5847090"/>
+            <a:ext cx="1140800" cy="406047"/>
           </a:xfrm>
           <a:prstGeom prst="rect">
             <a:avLst/>
@@ -22833,7 +24069,7 @@
           <a:lstStyle/>
           <a:p>
             <a:r>
-              <a:rPr lang="it" sz="4000">
+              <a:rPr lang="it" sz="4000" dirty="0">
                 <a:solidFill>
                   <a:schemeClr val="dk1"/>
                 </a:solidFill>
@@ -22844,7 +24080,7 @@
               </a:rPr>
               <a:t>-1</a:t>
             </a:r>
-            <a:endParaRPr sz="1050">
+            <a:endParaRPr sz="1050" dirty="0">
               <a:solidFill>
                 <a:schemeClr val="dk1"/>
               </a:solidFill>
@@ -22883,10 +24119,10 @@
           <a:lstStyle/>
           <a:p>
             <a:r>
-              <a:rPr lang="en-GB"/>
-              <a:t>SENTIMENT ANALYSIS</a:t>
-            </a:r>
-            <a:endParaRPr lang="en-GB">
+              <a:rPr lang="en-GB" dirty="0"/>
+              <a:t>So, how does SENTIMENT ANALYSIS work?</a:t>
+            </a:r>
+            <a:endParaRPr lang="en-GB" dirty="0">
               <a:sym typeface="Arial"/>
             </a:endParaRPr>
           </a:p>
@@ -22910,8 +24146,8 @@
         </p:nvSpPr>
         <p:spPr>
           <a:xfrm>
-            <a:off x="1023938" y="2679975"/>
-            <a:ext cx="3469685" cy="3628750"/>
+            <a:off x="1023938" y="3399125"/>
+            <a:ext cx="3469685" cy="2909600"/>
           </a:xfrm>
         </p:spPr>
         <p:txBody>
@@ -23352,572 +24588,7 @@
 </p:sld>
 </file>
 
-<file path=ppt/slides/slide20.xml><?xml version="1.0" encoding="utf-8"?>
-<p:sld xmlns:a="http://schemas.openxmlformats.org/drawingml/2006/main" xmlns:r="http://schemas.openxmlformats.org/officeDocument/2006/relationships" xmlns:p="http://schemas.openxmlformats.org/presentationml/2006/main">
-  <p:cSld>
-    <p:spTree>
-      <p:nvGrpSpPr>
-        <p:cNvPr id="1" name="Shape 529"/>
-        <p:cNvGrpSpPr/>
-        <p:nvPr/>
-      </p:nvGrpSpPr>
-      <p:grpSpPr>
-        <a:xfrm>
-          <a:off x="0" y="0"/>
-          <a:ext cx="0" cy="0"/>
-          <a:chOff x="0" y="0"/>
-          <a:chExt cx="0" cy="0"/>
-        </a:xfrm>
-      </p:grpSpPr>
-      <p:sp>
-        <p:nvSpPr>
-          <p:cNvPr id="534" name="Google Shape;534;p59"/>
-          <p:cNvSpPr txBox="1">
-            <a:spLocks noGrp="1"/>
-          </p:cNvSpPr>
-          <p:nvPr>
-            <p:ph type="title"/>
-          </p:nvPr>
-        </p:nvSpPr>
-        <p:spPr>
-          <a:xfrm>
-            <a:off x="1024128" y="585216"/>
-            <a:ext cx="9720072" cy="1499616"/>
-          </a:xfrm>
-          <a:noFill/>
-          <a:ln>
-            <a:noFill/>
-          </a:ln>
-        </p:spPr>
-        <p:txBody>
-          <a:bodyPr spcFirstLastPara="1" vert="horz" wrap="square" lIns="91433" tIns="45700" rIns="91433" bIns="45700" rtlCol="0" anchor="ctr" anchorCtr="0">
-            <a:normAutofit/>
-          </a:bodyPr>
-          <a:lstStyle/>
-          <a:p>
-            <a:r>
-              <a:rPr lang="en-GB"/>
-              <a:t>ASPECT-BASED SA</a:t>
-            </a:r>
-            <a:endParaRPr lang="en-GB">
-              <a:sym typeface="Arial"/>
-            </a:endParaRPr>
-          </a:p>
-        </p:txBody>
-      </p:sp>
-      <p:pic>
-        <p:nvPicPr>
-          <p:cNvPr id="6" name="Google Shape;535;p59">
-            <a:extLst>
-              <a:ext uri="{FF2B5EF4-FFF2-40B4-BE49-F238E27FC236}">
-                <a16:creationId xmlns:a16="http://schemas.microsoft.com/office/drawing/2014/main" id="{8DAF337A-F5DD-041C-B42F-B237D63AC0A9}"/>
-              </a:ext>
-            </a:extLst>
-          </p:cNvPr>
-          <p:cNvPicPr preferRelativeResize="0">
-            <a:picLocks noGrp="1"/>
-          </p:cNvPicPr>
-          <p:nvPr>
-            <p:ph idx="1"/>
-          </p:nvPr>
-        </p:nvPicPr>
-        <p:blipFill rotWithShape="1">
-          <a:blip r:embed="rId3">
-            <a:alphaModFix/>
-          </a:blip>
-          <a:srcRect l="15536" t="4986" r="16161" b="19458"/>
-          <a:stretch/>
-        </p:blipFill>
-        <p:spPr>
-          <a:xfrm>
-            <a:off x="2558411" y="1750076"/>
-            <a:ext cx="7075178" cy="4607617"/>
-          </a:xfrm>
-          <a:prstGeom prst="rect">
-            <a:avLst/>
-          </a:prstGeom>
-          <a:noFill/>
-          <a:ln>
-            <a:noFill/>
-          </a:ln>
-        </p:spPr>
-      </p:pic>
-    </p:spTree>
-  </p:cSld>
-  <p:clrMapOvr>
-    <a:masterClrMapping/>
-  </p:clrMapOvr>
-</p:sld>
-</file>
-
-<file path=ppt/slides/slide21.xml><?xml version="1.0" encoding="utf-8"?>
-<p:sld xmlns:a="http://schemas.openxmlformats.org/drawingml/2006/main" xmlns:r="http://schemas.openxmlformats.org/officeDocument/2006/relationships" xmlns:p="http://schemas.openxmlformats.org/presentationml/2006/main">
-  <p:cSld>
-    <p:spTree>
-      <p:nvGrpSpPr>
-        <p:cNvPr id="1" name="Shape 539"/>
-        <p:cNvGrpSpPr/>
-        <p:nvPr/>
-      </p:nvGrpSpPr>
-      <p:grpSpPr>
-        <a:xfrm>
-          <a:off x="0" y="0"/>
-          <a:ext cx="0" cy="0"/>
-          <a:chOff x="0" y="0"/>
-          <a:chExt cx="0" cy="0"/>
-        </a:xfrm>
-      </p:grpSpPr>
-      <p:sp>
-        <p:nvSpPr>
-          <p:cNvPr id="540" name="Google Shape;540;p60"/>
-          <p:cNvSpPr txBox="1"/>
-          <p:nvPr/>
-        </p:nvSpPr>
-        <p:spPr>
-          <a:xfrm>
-            <a:off x="1011200" y="1853868"/>
-            <a:ext cx="10089600" cy="615513"/>
-          </a:xfrm>
-          <a:prstGeom prst="rect">
-            <a:avLst/>
-          </a:prstGeom>
-          <a:noFill/>
-          <a:ln>
-            <a:noFill/>
-          </a:ln>
-        </p:spPr>
-        <p:txBody>
-          <a:bodyPr spcFirstLastPara="1" wrap="square" lIns="121900" tIns="121900" rIns="121900" bIns="121900" anchor="t" anchorCtr="0">
-            <a:spAutoFit/>
-          </a:bodyPr>
-          <a:lstStyle/>
-          <a:p>
-            <a:r>
-              <a:rPr lang="it" sz="2400"/>
-              <a:t>Annotated sentences are used to train machine learning algorithms</a:t>
-            </a:r>
-            <a:endParaRPr sz="2400" b="1"/>
-          </a:p>
-        </p:txBody>
-      </p:sp>
-      <p:sp>
-        <p:nvSpPr>
-          <p:cNvPr id="545" name="Google Shape;545;p60"/>
-          <p:cNvSpPr txBox="1">
-            <a:spLocks noGrp="1"/>
-          </p:cNvSpPr>
-          <p:nvPr>
-            <p:ph type="title"/>
-          </p:nvPr>
-        </p:nvSpPr>
-        <p:spPr>
-          <a:xfrm>
-            <a:off x="1024128" y="585216"/>
-            <a:ext cx="9720072" cy="1499616"/>
-          </a:xfrm>
-          <a:noFill/>
-          <a:ln>
-            <a:noFill/>
-          </a:ln>
-        </p:spPr>
-        <p:txBody>
-          <a:bodyPr spcFirstLastPara="1" vert="horz" wrap="square" lIns="91433" tIns="45700" rIns="91433" bIns="45700" rtlCol="0" anchor="ctr" anchorCtr="0">
-            <a:normAutofit/>
-          </a:bodyPr>
-          <a:lstStyle/>
-          <a:p>
-            <a:r>
-              <a:rPr lang="en-GB"/>
-              <a:t>MACHINE LEARNING</a:t>
-            </a:r>
-            <a:endParaRPr lang="en-GB">
-              <a:sym typeface="Arial"/>
-            </a:endParaRPr>
-          </a:p>
-        </p:txBody>
-      </p:sp>
-      <p:pic>
-        <p:nvPicPr>
-          <p:cNvPr id="546" name="Google Shape;546;p60"/>
-          <p:cNvPicPr preferRelativeResize="0"/>
-          <p:nvPr/>
-        </p:nvPicPr>
-        <p:blipFill rotWithShape="1">
-          <a:blip r:embed="rId3">
-            <a:alphaModFix/>
-          </a:blip>
-          <a:srcRect b="7338"/>
-          <a:stretch/>
-        </p:blipFill>
-        <p:spPr>
-          <a:xfrm>
-            <a:off x="1018434" y="1574067"/>
-            <a:ext cx="10155101" cy="4601067"/>
-          </a:xfrm>
-          <a:prstGeom prst="rect">
-            <a:avLst/>
-          </a:prstGeom>
-          <a:noFill/>
-          <a:ln>
-            <a:noFill/>
-          </a:ln>
-        </p:spPr>
-      </p:pic>
-      <p:sp>
-        <p:nvSpPr>
-          <p:cNvPr id="547" name="Google Shape;547;p60"/>
-          <p:cNvSpPr/>
-          <p:nvPr/>
-        </p:nvSpPr>
-        <p:spPr>
-          <a:xfrm>
-            <a:off x="8672967" y="4070733"/>
-            <a:ext cx="778000" cy="285200"/>
-          </a:xfrm>
-          <a:prstGeom prst="rect">
-            <a:avLst/>
-          </a:prstGeom>
-          <a:solidFill>
-            <a:srgbClr val="FFFFFF"/>
-          </a:solidFill>
-          <a:ln>
-            <a:noFill/>
-          </a:ln>
-        </p:spPr>
-        <p:txBody>
-          <a:bodyPr spcFirstLastPara="1" wrap="square" lIns="121900" tIns="121900" rIns="121900" bIns="121900" anchor="ctr" anchorCtr="0">
-            <a:noAutofit/>
-          </a:bodyPr>
-          <a:lstStyle/>
-          <a:p>
-            <a:endParaRPr sz="2400"/>
-          </a:p>
-        </p:txBody>
-      </p:sp>
-      <p:sp>
-        <p:nvSpPr>
-          <p:cNvPr id="548" name="Google Shape;548;p60"/>
-          <p:cNvSpPr/>
-          <p:nvPr/>
-        </p:nvSpPr>
-        <p:spPr>
-          <a:xfrm>
-            <a:off x="8672967" y="4986933"/>
-            <a:ext cx="778000" cy="285200"/>
-          </a:xfrm>
-          <a:prstGeom prst="rect">
-            <a:avLst/>
-          </a:prstGeom>
-          <a:solidFill>
-            <a:srgbClr val="FFFFFF"/>
-          </a:solidFill>
-          <a:ln>
-            <a:noFill/>
-          </a:ln>
-        </p:spPr>
-        <p:txBody>
-          <a:bodyPr spcFirstLastPara="1" wrap="square" lIns="121900" tIns="121900" rIns="121900" bIns="121900" anchor="ctr" anchorCtr="0">
-            <a:noAutofit/>
-          </a:bodyPr>
-          <a:lstStyle/>
-          <a:p>
-            <a:endParaRPr sz="2400"/>
-          </a:p>
-        </p:txBody>
-      </p:sp>
-      <p:pic>
-        <p:nvPicPr>
-          <p:cNvPr id="549" name="Google Shape;549;p60"/>
-          <p:cNvPicPr preferRelativeResize="0"/>
-          <p:nvPr/>
-        </p:nvPicPr>
-        <p:blipFill rotWithShape="1">
-          <a:blip r:embed="rId4">
-            <a:alphaModFix/>
-          </a:blip>
-          <a:srcRect l="11305" r="13325"/>
-          <a:stretch/>
-        </p:blipFill>
-        <p:spPr>
-          <a:xfrm>
-            <a:off x="4804832" y="3817067"/>
-            <a:ext cx="2502337" cy="1455067"/>
-          </a:xfrm>
-          <a:prstGeom prst="rect">
-            <a:avLst/>
-          </a:prstGeom>
-          <a:noFill/>
-          <a:ln>
-            <a:noFill/>
-          </a:ln>
-        </p:spPr>
-      </p:pic>
-    </p:spTree>
-  </p:cSld>
-  <p:clrMapOvr>
-    <a:masterClrMapping/>
-  </p:clrMapOvr>
-</p:sld>
-</file>
-
-<file path=ppt/slides/slide22.xml><?xml version="1.0" encoding="utf-8"?>
-<p:sld xmlns:a="http://schemas.openxmlformats.org/drawingml/2006/main" xmlns:r="http://schemas.openxmlformats.org/officeDocument/2006/relationships" xmlns:p="http://schemas.openxmlformats.org/presentationml/2006/main">
-  <p:cSld>
-    <p:spTree>
-      <p:nvGrpSpPr>
-        <p:cNvPr id="1" name="Shape 553"/>
-        <p:cNvGrpSpPr/>
-        <p:nvPr/>
-      </p:nvGrpSpPr>
-      <p:grpSpPr>
-        <a:xfrm>
-          <a:off x="0" y="0"/>
-          <a:ext cx="0" cy="0"/>
-          <a:chOff x="0" y="0"/>
-          <a:chExt cx="0" cy="0"/>
-        </a:xfrm>
-      </p:grpSpPr>
-      <p:sp>
-        <p:nvSpPr>
-          <p:cNvPr id="554" name="Google Shape;554;p61"/>
-          <p:cNvSpPr txBox="1"/>
-          <p:nvPr/>
-        </p:nvSpPr>
-        <p:spPr>
-          <a:xfrm>
-            <a:off x="1011200" y="1853868"/>
-            <a:ext cx="10089600" cy="615513"/>
-          </a:xfrm>
-          <a:prstGeom prst="rect">
-            <a:avLst/>
-          </a:prstGeom>
-          <a:noFill/>
-          <a:ln>
-            <a:noFill/>
-          </a:ln>
-        </p:spPr>
-        <p:txBody>
-          <a:bodyPr spcFirstLastPara="1" wrap="square" lIns="121900" tIns="121900" rIns="121900" bIns="121900" anchor="t" anchorCtr="0">
-            <a:spAutoFit/>
-          </a:bodyPr>
-          <a:lstStyle/>
-          <a:p>
-            <a:r>
-              <a:rPr lang="it" sz="2400"/>
-              <a:t>Annotated sentences are used to train machine learning algorithms</a:t>
-            </a:r>
-            <a:endParaRPr sz="2400" b="1"/>
-          </a:p>
-        </p:txBody>
-      </p:sp>
-      <p:sp>
-        <p:nvSpPr>
-          <p:cNvPr id="559" name="Google Shape;559;p61"/>
-          <p:cNvSpPr txBox="1">
-            <a:spLocks noGrp="1"/>
-          </p:cNvSpPr>
-          <p:nvPr>
-            <p:ph type="title"/>
-          </p:nvPr>
-        </p:nvSpPr>
-        <p:spPr>
-          <a:xfrm>
-            <a:off x="1024128" y="585216"/>
-            <a:ext cx="9720072" cy="1499616"/>
-          </a:xfrm>
-          <a:noFill/>
-          <a:ln>
-            <a:noFill/>
-          </a:ln>
-        </p:spPr>
-        <p:txBody>
-          <a:bodyPr spcFirstLastPara="1" vert="horz" wrap="square" lIns="91433" tIns="45700" rIns="91433" bIns="45700" rtlCol="0" anchor="ctr" anchorCtr="0">
-            <a:normAutofit/>
-          </a:bodyPr>
-          <a:lstStyle/>
-          <a:p>
-            <a:r>
-              <a:rPr lang="en-GB"/>
-              <a:t>MACHINE LEARNING</a:t>
-            </a:r>
-            <a:endParaRPr lang="en-GB">
-              <a:sym typeface="Arial"/>
-            </a:endParaRPr>
-          </a:p>
-        </p:txBody>
-      </p:sp>
-      <p:pic>
-        <p:nvPicPr>
-          <p:cNvPr id="560" name="Google Shape;560;p61"/>
-          <p:cNvPicPr preferRelativeResize="0"/>
-          <p:nvPr/>
-        </p:nvPicPr>
-        <p:blipFill rotWithShape="1">
-          <a:blip r:embed="rId3">
-            <a:alphaModFix/>
-          </a:blip>
-          <a:srcRect b="7338"/>
-          <a:stretch/>
-        </p:blipFill>
-        <p:spPr>
-          <a:xfrm>
-            <a:off x="1018434" y="1574067"/>
-            <a:ext cx="10155101" cy="4601067"/>
-          </a:xfrm>
-          <a:prstGeom prst="rect">
-            <a:avLst/>
-          </a:prstGeom>
-          <a:noFill/>
-          <a:ln>
-            <a:noFill/>
-          </a:ln>
-        </p:spPr>
-      </p:pic>
-      <p:pic>
-        <p:nvPicPr>
-          <p:cNvPr id="561" name="Google Shape;561;p61"/>
-          <p:cNvPicPr preferRelativeResize="0"/>
-          <p:nvPr/>
-        </p:nvPicPr>
-        <p:blipFill rotWithShape="1">
-          <a:blip r:embed="rId4">
-            <a:alphaModFix/>
-          </a:blip>
-          <a:srcRect l="11305" r="13325"/>
-          <a:stretch/>
-        </p:blipFill>
-        <p:spPr>
-          <a:xfrm>
-            <a:off x="4804832" y="3817067"/>
-            <a:ext cx="2502337" cy="1455067"/>
-          </a:xfrm>
-          <a:prstGeom prst="rect">
-            <a:avLst/>
-          </a:prstGeom>
-          <a:noFill/>
-          <a:ln>
-            <a:noFill/>
-          </a:ln>
-        </p:spPr>
-      </p:pic>
-    </p:spTree>
-  </p:cSld>
-  <p:clrMapOvr>
-    <a:masterClrMapping/>
-  </p:clrMapOvr>
-</p:sld>
-</file>
-
-<file path=ppt/slides/slide3.xml><?xml version="1.0" encoding="utf-8"?>
-<p:sld xmlns:a="http://schemas.openxmlformats.org/drawingml/2006/main" xmlns:r="http://schemas.openxmlformats.org/officeDocument/2006/relationships" xmlns:p="http://schemas.openxmlformats.org/presentationml/2006/main">
-  <p:cSld>
-    <p:spTree>
-      <p:nvGrpSpPr>
-        <p:cNvPr id="1" name="Shape 173"/>
-        <p:cNvGrpSpPr/>
-        <p:nvPr/>
-      </p:nvGrpSpPr>
-      <p:grpSpPr>
-        <a:xfrm>
-          <a:off x="0" y="0"/>
-          <a:ext cx="0" cy="0"/>
-          <a:chOff x="0" y="0"/>
-          <a:chExt cx="0" cy="0"/>
-        </a:xfrm>
-      </p:grpSpPr>
-      <p:sp>
-        <p:nvSpPr>
-          <p:cNvPr id="174" name="Google Shape;174;p29"/>
-          <p:cNvSpPr txBox="1">
-            <a:spLocks noGrp="1"/>
-          </p:cNvSpPr>
-          <p:nvPr>
-            <p:ph type="title"/>
-          </p:nvPr>
-        </p:nvSpPr>
-        <p:spPr>
-          <a:xfrm>
-            <a:off x="1024128" y="585216"/>
-            <a:ext cx="9720072" cy="1499616"/>
-          </a:xfrm>
-          <a:noFill/>
-          <a:ln>
-            <a:noFill/>
-          </a:ln>
-        </p:spPr>
-        <p:txBody>
-          <a:bodyPr spcFirstLastPara="1" vert="horz" wrap="square" lIns="91433" tIns="45700" rIns="91433" bIns="45700" rtlCol="0" anchor="ctr" anchorCtr="0">
-            <a:normAutofit/>
-          </a:bodyPr>
-          <a:lstStyle/>
-          <a:p>
-            <a:r>
-              <a:rPr lang="en-GB"/>
-              <a:t>SENTIMENT ANALYSIS</a:t>
-            </a:r>
-            <a:endParaRPr lang="en-GB">
-              <a:sym typeface="Arial"/>
-            </a:endParaRPr>
-          </a:p>
-        </p:txBody>
-      </p:sp>
-      <p:sp>
-        <p:nvSpPr>
-          <p:cNvPr id="3" name="Content Placeholder 2">
-            <a:extLst>
-              <a:ext uri="{FF2B5EF4-FFF2-40B4-BE49-F238E27FC236}">
-                <a16:creationId xmlns:a16="http://schemas.microsoft.com/office/drawing/2014/main" id="{8A9C4AE2-0187-7ECF-C477-3141020C3F40}"/>
-              </a:ext>
-            </a:extLst>
-          </p:cNvPr>
-          <p:cNvSpPr>
-            <a:spLocks noGrp="1"/>
-          </p:cNvSpPr>
-          <p:nvPr>
-            <p:ph idx="1"/>
-          </p:nvPr>
-        </p:nvSpPr>
-        <p:spPr>
-          <a:xfrm>
-            <a:off x="1024128" y="2286000"/>
-            <a:ext cx="9720071" cy="4023360"/>
-          </a:xfrm>
-        </p:spPr>
-        <p:txBody>
-          <a:bodyPr/>
-          <a:lstStyle/>
-          <a:p>
-            <a:r>
-              <a:rPr lang="en-GB" dirty="0">
-                <a:sym typeface="Arial"/>
-              </a:rPr>
-              <a:t>“[…] is the field of study that analyses people’s opinions, sentiments, appraisals, attitudes, and emotions towards entities and their attributes expressed in written text. The entities can be products, services, organizations, individuals, events, issues, or topics”</a:t>
-            </a:r>
-            <a:endParaRPr lang="en-GB" dirty="0"/>
-          </a:p>
-          <a:p>
-            <a:r>
-              <a:rPr lang="en-GB" dirty="0">
-                <a:sym typeface="Arial"/>
-              </a:rPr>
-              <a:t>(Liu, 2015)</a:t>
-            </a:r>
-            <a:endParaRPr lang="en-GB" dirty="0"/>
-          </a:p>
-          <a:p>
-            <a:endParaRPr lang="en-GB" dirty="0"/>
-          </a:p>
-        </p:txBody>
-      </p:sp>
-    </p:spTree>
-  </p:cSld>
-  <p:clrMapOvr>
-    <a:masterClrMapping/>
-  </p:clrMapOvr>
-</p:sld>
-</file>
-
-<file path=ppt/slides/slide4.xml><?xml version="1.0" encoding="utf-8"?>
+<file path=ppt/slides/slide5.xml><?xml version="1.0" encoding="utf-8"?>
 <p:sld xmlns:a="http://schemas.openxmlformats.org/drawingml/2006/main" xmlns:r="http://schemas.openxmlformats.org/officeDocument/2006/relationships" xmlns:p="http://schemas.openxmlformats.org/presentationml/2006/main">
   <p:cSld>
     <p:spTree>
@@ -23945,6 +24616,10 @@
           </p:nvPr>
         </p:nvSpPr>
         <p:spPr>
+          <a:xfrm>
+            <a:off x="381001" y="2528686"/>
+            <a:ext cx="2910098" cy="1800627"/>
+          </a:xfrm>
           <a:noFill/>
           <a:ln>
             <a:noFill/>
@@ -23959,6 +24634,13 @@
             <a:r>
               <a:rPr lang="en-GB" dirty="0"/>
               <a:t>SENTIMENT ANALYSIS</a:t>
+            </a:r>
+            <a:br>
+              <a:rPr lang="en-GB" dirty="0"/>
+            </a:br>
+            <a:r>
+              <a:rPr lang="en-GB" dirty="0"/>
+              <a:t>applications</a:t>
             </a:r>
             <a:endParaRPr lang="en-GB" dirty="0">
               <a:sym typeface="Arial"/>
@@ -23984,660 +24666,249 @@
         </p:nvSpPr>
         <p:spPr>
           <a:xfrm>
-            <a:off x="3853543" y="580767"/>
-            <a:ext cx="7957456" cy="5950661"/>
+            <a:off x="4132612" y="477981"/>
+            <a:ext cx="6982691" cy="5902037"/>
           </a:xfrm>
         </p:spPr>
         <p:txBody>
           <a:bodyPr>
-            <a:normAutofit/>
+            <a:normAutofit fontScale="70000" lnSpcReduction="20000"/>
           </a:bodyPr>
           <a:lstStyle/>
           <a:p>
-            <a:pPr algn="just"/>
-            <a:r>
-              <a:rPr lang="en-GB" sz="1800" b="1" dirty="0">
-                <a:solidFill>
-                  <a:schemeClr val="dk1"/>
-                </a:solidFill>
-              </a:rPr>
-              <a:t>SA and cognitive literary studies</a:t>
+            <a:pPr marL="0" indent="0" algn="just">
+              <a:lnSpc>
+                <a:spcPct val="120000"/>
+              </a:lnSpc>
+              <a:buNone/>
+            </a:pPr>
+            <a:r>
+              <a:rPr lang="en-GB" b="1" dirty="0"/>
+              <a:t>SA for the study of historical texts</a:t>
             </a:r>
           </a:p>
           <a:p>
             <a:pPr algn="just">
-              <a:buClr>
-                <a:schemeClr val="dk1"/>
-              </a:buClr>
-              <a:buSzPts val="800"/>
+              <a:lnSpc>
+                <a:spcPct val="120000"/>
+              </a:lnSpc>
+              <a:buFont typeface="Arial" panose="020B0604020202020204" pitchFamily="34" charset="0"/>
+              <a:buChar char="•"/>
             </a:pPr>
             <a:r>
-              <a:rPr lang="en-GB" sz="1200" dirty="0">
-                <a:solidFill>
-                  <a:schemeClr val="dk1"/>
-                </a:solidFill>
-              </a:rPr>
+              <a:rPr lang="en-GB" dirty="0" err="1"/>
+              <a:t>Sprugnoli</a:t>
+            </a:r>
+            <a:r>
+              <a:rPr lang="en-GB" dirty="0"/>
+              <a:t>, R., Tonelli, S., Marchetti, A., and Moretti, G. (2016). </a:t>
+            </a:r>
+            <a:r>
+              <a:rPr lang="en-GB" i="1" dirty="0"/>
+              <a:t>Towards sentiment analysis for historical texts.</a:t>
+            </a:r>
+            <a:r>
+              <a:rPr lang="en-GB" dirty="0"/>
+              <a:t> Digital Scholarship in the Humanities, 31(4): 762-772.</a:t>
+            </a:r>
+          </a:p>
+          <a:p>
+            <a:pPr marL="0" indent="0" algn="just">
+              <a:lnSpc>
+                <a:spcPct val="120000"/>
+              </a:lnSpc>
+              <a:buNone/>
+            </a:pPr>
+            <a:r>
+              <a:rPr lang="en-GB" b="1" dirty="0"/>
+              <a:t>SA and cognitive studies</a:t>
+            </a:r>
+          </a:p>
+          <a:p>
+            <a:pPr algn="just">
+              <a:lnSpc>
+                <a:spcPct val="120000"/>
+              </a:lnSpc>
+              <a:buFont typeface="Arial" panose="020B0604020202020204" pitchFamily="34" charset="0"/>
+              <a:buChar char="•"/>
+            </a:pPr>
+            <a:r>
+              <a:rPr lang="en-GB" dirty="0"/>
               <a:t>Jacobs, A. M., Schuster, S., </a:t>
             </a:r>
             <a:r>
-              <a:rPr lang="en-GB" sz="1200" dirty="0" err="1">
-                <a:solidFill>
-                  <a:schemeClr val="dk1"/>
-                </a:solidFill>
-              </a:rPr>
+              <a:rPr lang="en-GB" dirty="0" err="1"/>
               <a:t>Xue</a:t>
             </a:r>
             <a:r>
-              <a:rPr lang="en-GB" sz="1200" dirty="0">
-                <a:solidFill>
-                  <a:schemeClr val="dk1"/>
-                </a:solidFill>
-              </a:rPr>
+              <a:rPr lang="en-GB" dirty="0"/>
               <a:t>, S., and </a:t>
             </a:r>
             <a:r>
-              <a:rPr lang="en-GB" sz="1200" dirty="0" err="1">
-                <a:solidFill>
-                  <a:schemeClr val="dk1"/>
-                </a:solidFill>
-              </a:rPr>
+              <a:rPr lang="en-GB" dirty="0" err="1"/>
               <a:t>Lüdtke</a:t>
             </a:r>
             <a:r>
-              <a:rPr lang="en-GB" sz="1200" dirty="0">
-                <a:solidFill>
-                  <a:schemeClr val="dk1"/>
-                </a:solidFill>
-              </a:rPr>
-              <a:t>, J. (2017). What’s in the brain that ink may character… A quantitative narrative analysis of Shakespeare’s 154 sonnets for use in (Neuro-)cognitive poetics. </a:t>
-            </a:r>
-            <a:r>
-              <a:rPr lang="en-GB" sz="1200" i="1" dirty="0">
-                <a:solidFill>
-                  <a:schemeClr val="dk1"/>
-                </a:solidFill>
-              </a:rPr>
-              <a:t>Scientific Study of Literature</a:t>
-            </a:r>
-            <a:r>
-              <a:rPr lang="en-GB" sz="1200" dirty="0">
-                <a:solidFill>
-                  <a:schemeClr val="dk1"/>
-                </a:solidFill>
-              </a:rPr>
-              <a:t>, </a:t>
-            </a:r>
-            <a:r>
-              <a:rPr lang="en-GB" sz="1200" i="1" dirty="0">
-                <a:solidFill>
-                  <a:schemeClr val="dk1"/>
-                </a:solidFill>
-              </a:rPr>
-              <a:t>7</a:t>
-            </a:r>
-            <a:r>
-              <a:rPr lang="en-GB" sz="1200" dirty="0">
-                <a:solidFill>
-                  <a:schemeClr val="dk1"/>
-                </a:solidFill>
-              </a:rPr>
-              <a:t>(1): 4-51.</a:t>
-            </a:r>
-          </a:p>
-          <a:p>
-            <a:pPr algn="just"/>
-            <a:r>
-              <a:rPr lang="en-GB" sz="1800" b="1" dirty="0">
-                <a:solidFill>
-                  <a:schemeClr val="dk1"/>
-                </a:solidFill>
-              </a:rPr>
-              <a:t>SA for the study of secondary literature</a:t>
-            </a:r>
-          </a:p>
-          <a:p>
-            <a:pPr algn="just"/>
-            <a:r>
-              <a:rPr lang="en-GB" sz="1200" dirty="0" err="1">
-                <a:solidFill>
-                  <a:schemeClr val="dk1"/>
-                </a:solidFill>
-              </a:rPr>
-              <a:t>Mellmann</a:t>
-            </a:r>
-            <a:r>
-              <a:rPr lang="en-GB" sz="1200" dirty="0">
-                <a:solidFill>
-                  <a:schemeClr val="dk1"/>
-                </a:solidFill>
-              </a:rPr>
-              <a:t>, K. and Du, K. (2018). “</a:t>
-            </a:r>
-            <a:r>
-              <a:rPr lang="en-GB" sz="1200" dirty="0" err="1">
-                <a:solidFill>
-                  <a:schemeClr val="dk1"/>
-                </a:solidFill>
-              </a:rPr>
-              <a:t>Sentimentanalyse</a:t>
-            </a:r>
-            <a:r>
-              <a:rPr lang="en-GB" sz="1200" dirty="0">
-                <a:solidFill>
-                  <a:schemeClr val="dk1"/>
-                </a:solidFill>
-              </a:rPr>
-              <a:t> in </a:t>
-            </a:r>
-            <a:r>
-              <a:rPr lang="en-GB" sz="1200" dirty="0" err="1">
-                <a:solidFill>
-                  <a:schemeClr val="dk1"/>
-                </a:solidFill>
-              </a:rPr>
-              <a:t>Unstrukturierten</a:t>
-            </a:r>
-            <a:r>
-              <a:rPr lang="en-GB" sz="1200" dirty="0">
-                <a:solidFill>
-                  <a:schemeClr val="dk1"/>
-                </a:solidFill>
-              </a:rPr>
-              <a:t> </a:t>
-            </a:r>
-            <a:r>
-              <a:rPr lang="en-GB" sz="1200" dirty="0" err="1">
-                <a:solidFill>
-                  <a:schemeClr val="dk1"/>
-                </a:solidFill>
-              </a:rPr>
-              <a:t>Texten</a:t>
-            </a:r>
-            <a:r>
-              <a:rPr lang="en-GB" sz="1200" dirty="0">
-                <a:solidFill>
-                  <a:schemeClr val="dk1"/>
-                </a:solidFill>
-              </a:rPr>
-              <a:t> (Am </a:t>
-            </a:r>
-            <a:r>
-              <a:rPr lang="en-GB" sz="1200" dirty="0" err="1">
-                <a:solidFill>
-                  <a:schemeClr val="dk1"/>
-                </a:solidFill>
-              </a:rPr>
-              <a:t>Bsp</a:t>
-            </a:r>
-            <a:r>
-              <a:rPr lang="en-GB" sz="1200" dirty="0">
-                <a:solidFill>
-                  <a:schemeClr val="dk1"/>
-                </a:solidFill>
-              </a:rPr>
+              <a:rPr lang="en-GB" dirty="0"/>
+              <a:t>, J. (2017). </a:t>
+            </a:r>
+            <a:r>
+              <a:rPr lang="en-GB" i="1" dirty="0"/>
+              <a:t>What’s in the brain that ink may character… A quantitative narrative analysis of Shakespeare’s 154 sonnets for use in (Neuro-)cognitive poetics. </a:t>
+            </a:r>
+            <a:r>
+              <a:rPr lang="en-GB" dirty="0"/>
+              <a:t>Scientific Study of Literature, 7(1): 4-51.</a:t>
+            </a:r>
+          </a:p>
+          <a:p>
+            <a:pPr marL="0" indent="0" algn="just">
+              <a:lnSpc>
+                <a:spcPct val="120000"/>
+              </a:lnSpc>
+              <a:buNone/>
+            </a:pPr>
+            <a:r>
+              <a:rPr lang="en-GB" b="1" dirty="0"/>
+              <a:t>SA and social reading</a:t>
+            </a:r>
+          </a:p>
+          <a:p>
+            <a:pPr>
+              <a:lnSpc>
+                <a:spcPct val="120000"/>
+              </a:lnSpc>
+              <a:buFont typeface="Arial" panose="020B0604020202020204" pitchFamily="34" charset="0"/>
+              <a:buChar char="•"/>
+            </a:pPr>
+            <a:r>
+              <a:rPr lang="en-GB" dirty="0" err="1"/>
+              <a:t>Rebora</a:t>
+            </a:r>
+            <a:r>
+              <a:rPr lang="en-GB" dirty="0"/>
+              <a:t>, S. and </a:t>
+            </a:r>
+            <a:r>
+              <a:rPr lang="en-GB" dirty="0" err="1"/>
+              <a:t>Pianzola</a:t>
+            </a:r>
+            <a:r>
+              <a:rPr lang="en-GB" dirty="0"/>
+              <a:t> F. (2018). </a:t>
+            </a:r>
+            <a:r>
+              <a:rPr lang="en-GB" i="1" dirty="0"/>
+              <a:t>A New Research Programme for Reading Research: Analysing Comments in the Margins on Wattpad</a:t>
+            </a:r>
+            <a:r>
+              <a:rPr lang="en-GB" dirty="0"/>
               <a:t>. </a:t>
             </a:r>
             <a:r>
-              <a:rPr lang="en-GB" sz="1200" dirty="0" err="1">
-                <a:solidFill>
-                  <a:schemeClr val="dk1"/>
-                </a:solidFill>
-              </a:rPr>
-              <a:t>Literaturgeschichtlicher</a:t>
-            </a:r>
-            <a:r>
-              <a:rPr lang="en-GB" sz="1200" dirty="0">
-                <a:solidFill>
-                  <a:schemeClr val="dk1"/>
-                </a:solidFill>
-              </a:rPr>
-              <a:t> </a:t>
-            </a:r>
-            <a:r>
-              <a:rPr lang="en-GB" sz="1200" dirty="0" err="1">
-                <a:solidFill>
-                  <a:schemeClr val="dk1"/>
-                </a:solidFill>
-              </a:rPr>
-              <a:t>Rezeptionsanalyse</a:t>
-            </a:r>
-            <a:r>
-              <a:rPr lang="en-GB" sz="1200" dirty="0">
-                <a:solidFill>
-                  <a:schemeClr val="dk1"/>
-                </a:solidFill>
-              </a:rPr>
-              <a:t>).” In </a:t>
-            </a:r>
-            <a:r>
-              <a:rPr lang="en-GB" sz="1200" dirty="0" err="1">
-                <a:solidFill>
-                  <a:schemeClr val="dk1"/>
-                </a:solidFill>
-              </a:rPr>
-              <a:t>DHd</a:t>
-            </a:r>
-            <a:r>
-              <a:rPr lang="en-GB" sz="1200" dirty="0">
-                <a:solidFill>
-                  <a:schemeClr val="dk1"/>
-                </a:solidFill>
-              </a:rPr>
-              <a:t> 2018 </a:t>
-            </a:r>
-            <a:r>
-              <a:rPr lang="en-GB" sz="1200" dirty="0" err="1">
-                <a:solidFill>
-                  <a:schemeClr val="dk1"/>
-                </a:solidFill>
-              </a:rPr>
-              <a:t>Konferenzabstracts</a:t>
-            </a:r>
-            <a:r>
-              <a:rPr lang="en-GB" sz="1200" dirty="0">
-                <a:solidFill>
-                  <a:schemeClr val="dk1"/>
-                </a:solidFill>
-              </a:rPr>
-              <a:t>, 305–8. Cologne: Universität </a:t>
-            </a:r>
-            <a:r>
-              <a:rPr lang="en-GB" sz="1200" dirty="0" err="1">
-                <a:solidFill>
-                  <a:schemeClr val="dk1"/>
-                </a:solidFill>
-              </a:rPr>
-              <a:t>zu</a:t>
-            </a:r>
-            <a:r>
-              <a:rPr lang="en-GB" sz="1200" dirty="0">
-                <a:solidFill>
-                  <a:schemeClr val="dk1"/>
-                </a:solidFill>
-              </a:rPr>
-              <a:t> Köln.</a:t>
-            </a:r>
-          </a:p>
-          <a:p>
-            <a:pPr algn="just"/>
-            <a:r>
-              <a:rPr lang="en-GB" sz="1800" b="1" dirty="0">
-                <a:solidFill>
-                  <a:schemeClr val="dk1"/>
-                </a:solidFill>
-              </a:rPr>
-              <a:t>SA for the study of social reading</a:t>
-            </a:r>
-          </a:p>
-          <a:p>
-            <a:pPr algn="just">
-              <a:buClr>
-                <a:schemeClr val="dk1"/>
-              </a:buClr>
-              <a:buSzPts val="800"/>
+              <a:rPr lang="en-GB" dirty="0" err="1"/>
+              <a:t>DigitCult</a:t>
+            </a:r>
+            <a:r>
+              <a:rPr lang="en-GB" dirty="0"/>
+              <a:t> - Scientific Journal on Digital Cultures, 3(2): 19–36</a:t>
+            </a:r>
+          </a:p>
+          <a:p>
+            <a:pPr marL="0" indent="0">
+              <a:lnSpc>
+                <a:spcPct val="120000"/>
+              </a:lnSpc>
+              <a:buNone/>
             </a:pPr>
             <a:r>
-              <a:rPr lang="en-GB" sz="1200" dirty="0" err="1">
-                <a:solidFill>
-                  <a:schemeClr val="dk1"/>
-                </a:solidFill>
-              </a:rPr>
-              <a:t>Rebora</a:t>
-            </a:r>
-            <a:r>
-              <a:rPr lang="en-GB" sz="1200" dirty="0">
-                <a:solidFill>
-                  <a:schemeClr val="dk1"/>
-                </a:solidFill>
-              </a:rPr>
-              <a:t>, S. and </a:t>
-            </a:r>
-            <a:r>
-              <a:rPr lang="en-GB" sz="1200" dirty="0" err="1">
-                <a:solidFill>
-                  <a:schemeClr val="dk1"/>
-                </a:solidFill>
-              </a:rPr>
-              <a:t>Pianzola</a:t>
-            </a:r>
-            <a:r>
-              <a:rPr lang="en-GB" sz="1200" dirty="0">
-                <a:solidFill>
-                  <a:schemeClr val="dk1"/>
-                </a:solidFill>
-              </a:rPr>
-              <a:t> F. (2018). A New Research Programme for Reading Research: Analysing Comments in the Margins on Wattpad. </a:t>
-            </a:r>
-            <a:r>
-              <a:rPr lang="en-GB" sz="1200" dirty="0" err="1">
-                <a:solidFill>
-                  <a:schemeClr val="dk1"/>
-                </a:solidFill>
-              </a:rPr>
-              <a:t>DigitCult</a:t>
-            </a:r>
-            <a:r>
-              <a:rPr lang="en-GB" sz="1200" dirty="0">
-                <a:solidFill>
-                  <a:schemeClr val="dk1"/>
-                </a:solidFill>
-              </a:rPr>
-              <a:t> - Scientific Journal on Digital Cultures, 3(2): 19–36</a:t>
-            </a:r>
-          </a:p>
-          <a:p>
-            <a:pPr algn="just">
-              <a:buClr>
-                <a:schemeClr val="dk1"/>
-              </a:buClr>
-              <a:buSzPts val="800"/>
+              <a:rPr lang="en-GB" b="1" dirty="0"/>
+              <a:t>SA for political discourse</a:t>
+            </a:r>
+          </a:p>
+          <a:p>
+            <a:pPr>
+              <a:lnSpc>
+                <a:spcPct val="120000"/>
+              </a:lnSpc>
+              <a:buFont typeface="Arial" panose="020B0604020202020204" pitchFamily="34" charset="0"/>
+              <a:buChar char="•"/>
             </a:pPr>
             <a:r>
-              <a:rPr lang="en-GB" sz="1800" b="1" dirty="0">
-                <a:solidFill>
-                  <a:schemeClr val="dk1"/>
-                </a:solidFill>
-              </a:rPr>
-              <a:t>SA for Italian language</a:t>
-            </a:r>
-          </a:p>
-          <a:p>
-            <a:pPr algn="just">
-              <a:buClr>
-                <a:schemeClr val="dk1"/>
-              </a:buClr>
-              <a:buSzPts val="800"/>
+              <a:rPr lang="en-GB" dirty="0"/>
+              <a:t>Thakur, N. (2023</a:t>
+            </a:r>
+            <a:r>
+              <a:rPr lang="en-GB" i="1" dirty="0"/>
+              <a:t>). Sentiment analysis and text analysis of the public discourse on Twitter about COVID-19 and </a:t>
+            </a:r>
+            <a:r>
+              <a:rPr lang="en-GB" i="1" dirty="0" err="1"/>
+              <a:t>MPox</a:t>
+            </a:r>
+            <a:r>
+              <a:rPr lang="en-GB" dirty="0"/>
+              <a:t>. Big Data and Cognitive Computing, 7(2), 116.</a:t>
+            </a:r>
+          </a:p>
+          <a:p>
+            <a:pPr marL="0" indent="0">
+              <a:lnSpc>
+                <a:spcPct val="120000"/>
+              </a:lnSpc>
+              <a:buNone/>
             </a:pPr>
             <a:r>
-              <a:rPr lang="en-GB" sz="1200" dirty="0" err="1">
-                <a:solidFill>
-                  <a:schemeClr val="dk1"/>
-                </a:solidFill>
-              </a:rPr>
-              <a:t>Sprugnoli</a:t>
-            </a:r>
-            <a:r>
-              <a:rPr lang="en-GB" sz="1200" dirty="0">
-                <a:solidFill>
-                  <a:schemeClr val="dk1"/>
-                </a:solidFill>
-              </a:rPr>
-              <a:t>, R., Tonelli, S., Marchetti, A., and Moretti, G. (2016). Towards sentiment analysis for historical texts. </a:t>
-            </a:r>
-            <a:r>
-              <a:rPr lang="en-GB" sz="1200" i="1" dirty="0">
-                <a:solidFill>
-                  <a:schemeClr val="dk1"/>
-                </a:solidFill>
-              </a:rPr>
-              <a:t>Digital Scholarship in the Humanities</a:t>
-            </a:r>
-            <a:r>
-              <a:rPr lang="en-GB" sz="1200" dirty="0">
-                <a:solidFill>
-                  <a:schemeClr val="dk1"/>
-                </a:solidFill>
-              </a:rPr>
-              <a:t>, </a:t>
-            </a:r>
-            <a:r>
-              <a:rPr lang="en-GB" sz="1200" i="1" dirty="0">
-                <a:solidFill>
-                  <a:schemeClr val="dk1"/>
-                </a:solidFill>
-              </a:rPr>
-              <a:t>31</a:t>
-            </a:r>
-            <a:r>
-              <a:rPr lang="en-GB" sz="1200" dirty="0">
-                <a:solidFill>
-                  <a:schemeClr val="dk1"/>
-                </a:solidFill>
-              </a:rPr>
-              <a:t>(4): 762-772.</a:t>
-            </a:r>
-          </a:p>
-          <a:p>
-            <a:pPr algn="just"/>
-            <a:r>
-              <a:rPr lang="en-GB" sz="1800" b="1" dirty="0">
-                <a:solidFill>
-                  <a:schemeClr val="dk1"/>
-                </a:solidFill>
-              </a:rPr>
-              <a:t>SA for German language</a:t>
-            </a:r>
-          </a:p>
-          <a:p>
-            <a:pPr algn="just"/>
-            <a:r>
-              <a:rPr lang="en-GB" sz="1200" dirty="0" err="1">
-                <a:solidFill>
-                  <a:schemeClr val="dk1"/>
-                </a:solidFill>
-              </a:rPr>
-              <a:t>Zehe</a:t>
-            </a:r>
-            <a:r>
-              <a:rPr lang="en-GB" sz="1200" dirty="0">
-                <a:solidFill>
-                  <a:schemeClr val="dk1"/>
-                </a:solidFill>
-              </a:rPr>
-              <a:t>, A., Becker, M., </a:t>
-            </a:r>
-            <a:r>
-              <a:rPr lang="en-GB" sz="1200" dirty="0" err="1">
-                <a:solidFill>
-                  <a:schemeClr val="dk1"/>
-                </a:solidFill>
-              </a:rPr>
-              <a:t>Jannidis</a:t>
-            </a:r>
-            <a:r>
-              <a:rPr lang="en-GB" sz="1200" dirty="0">
-                <a:solidFill>
-                  <a:schemeClr val="dk1"/>
-                </a:solidFill>
-              </a:rPr>
-              <a:t>, F., and </a:t>
-            </a:r>
-            <a:r>
-              <a:rPr lang="en-GB" sz="1200" dirty="0" err="1">
-                <a:solidFill>
-                  <a:schemeClr val="dk1"/>
-                </a:solidFill>
-              </a:rPr>
-              <a:t>Hotho</a:t>
-            </a:r>
-            <a:r>
-              <a:rPr lang="en-GB" sz="1200" dirty="0">
-                <a:solidFill>
-                  <a:schemeClr val="dk1"/>
-                </a:solidFill>
-              </a:rPr>
-              <a:t>, A. (2017). Towards Sentiment Analysis on German Literature. In </a:t>
-            </a:r>
-            <a:r>
-              <a:rPr lang="en-GB" sz="1200" i="1" dirty="0">
-                <a:solidFill>
-                  <a:schemeClr val="dk1"/>
-                </a:solidFill>
-              </a:rPr>
-              <a:t>Joint German/Austrian Conference on Artificial Intelligence (</a:t>
-            </a:r>
-            <a:r>
-              <a:rPr lang="en-GB" sz="1200" i="1" dirty="0" err="1">
-                <a:solidFill>
-                  <a:schemeClr val="dk1"/>
-                </a:solidFill>
-              </a:rPr>
-              <a:t>Künstliche</a:t>
-            </a:r>
-            <a:r>
-              <a:rPr lang="en-GB" sz="1200" i="1" dirty="0">
-                <a:solidFill>
-                  <a:schemeClr val="dk1"/>
-                </a:solidFill>
-              </a:rPr>
-              <a:t> </a:t>
-            </a:r>
-            <a:r>
-              <a:rPr lang="en-GB" sz="1200" i="1" dirty="0" err="1">
-                <a:solidFill>
-                  <a:schemeClr val="dk1"/>
-                </a:solidFill>
-              </a:rPr>
-              <a:t>Intelligenz</a:t>
-            </a:r>
-            <a:r>
-              <a:rPr lang="en-GB" sz="1200" i="1" dirty="0">
-                <a:solidFill>
-                  <a:schemeClr val="dk1"/>
-                </a:solidFill>
-              </a:rPr>
-              <a:t>)</a:t>
-            </a:r>
-            <a:r>
-              <a:rPr lang="en-GB" sz="1200" dirty="0">
-                <a:solidFill>
-                  <a:schemeClr val="dk1"/>
-                </a:solidFill>
-              </a:rPr>
-              <a:t>.</a:t>
-            </a:r>
-            <a:r>
-              <a:rPr lang="en-GB" sz="1200" i="1" dirty="0">
-                <a:solidFill>
-                  <a:schemeClr val="dk1"/>
-                </a:solidFill>
-              </a:rPr>
-              <a:t> </a:t>
-            </a:r>
-            <a:r>
-              <a:rPr lang="en-GB" sz="1200" dirty="0">
-                <a:solidFill>
-                  <a:schemeClr val="dk1"/>
-                </a:solidFill>
-              </a:rPr>
-              <a:t>Cham:</a:t>
-            </a:r>
-            <a:r>
-              <a:rPr lang="en-GB" sz="1200" i="1" dirty="0">
-                <a:solidFill>
-                  <a:schemeClr val="dk1"/>
-                </a:solidFill>
-              </a:rPr>
-              <a:t> </a:t>
-            </a:r>
-            <a:r>
-              <a:rPr lang="en-GB" sz="1200" dirty="0">
-                <a:solidFill>
-                  <a:schemeClr val="dk1"/>
-                </a:solidFill>
-              </a:rPr>
-              <a:t>Springer, pp. 387-394.</a:t>
-            </a:r>
-          </a:p>
-          <a:p>
-            <a:pPr algn="just"/>
-            <a:r>
-              <a:rPr lang="en-GB" sz="1800" b="1" dirty="0">
-                <a:solidFill>
-                  <a:schemeClr val="dk1"/>
-                </a:solidFill>
-              </a:rPr>
-              <a:t>SA for emotional arcs (again)</a:t>
-            </a:r>
-          </a:p>
-          <a:p>
-            <a:pPr algn="just">
-              <a:buClr>
-                <a:schemeClr val="dk1"/>
-              </a:buClr>
-              <a:buSzPts val="800"/>
+              <a:rPr lang="en-GB" b="1" dirty="0"/>
+              <a:t>SA in literary studies</a:t>
+            </a:r>
+          </a:p>
+          <a:p>
+            <a:pPr>
+              <a:lnSpc>
+                <a:spcPct val="120000"/>
+              </a:lnSpc>
+              <a:buFont typeface="Arial" panose="020B0604020202020204" pitchFamily="34" charset="0"/>
+              <a:buChar char="•"/>
             </a:pPr>
             <a:r>
-              <a:rPr lang="en-GB" sz="1200" dirty="0">
-                <a:solidFill>
-                  <a:schemeClr val="dk1"/>
-                </a:solidFill>
-              </a:rPr>
+              <a:rPr lang="en-GB" dirty="0"/>
               <a:t>Reagan, A. J., Mitchell, L., Kiley, D., </a:t>
             </a:r>
             <a:r>
-              <a:rPr lang="en-GB" sz="1200" dirty="0" err="1">
-                <a:solidFill>
-                  <a:schemeClr val="dk1"/>
-                </a:solidFill>
-              </a:rPr>
+              <a:rPr lang="en-GB" dirty="0" err="1"/>
               <a:t>Danforth</a:t>
             </a:r>
             <a:r>
-              <a:rPr lang="en-GB" sz="1200" dirty="0">
-                <a:solidFill>
-                  <a:schemeClr val="dk1"/>
-                </a:solidFill>
-              </a:rPr>
+              <a:rPr lang="en-GB" dirty="0"/>
               <a:t>, C. M., and </a:t>
             </a:r>
             <a:r>
-              <a:rPr lang="en-GB" sz="1200" dirty="0" err="1">
-                <a:solidFill>
-                  <a:schemeClr val="dk1"/>
-                </a:solidFill>
-              </a:rPr>
+              <a:rPr lang="en-GB" dirty="0" err="1"/>
               <a:t>Dodds</a:t>
             </a:r>
             <a:r>
-              <a:rPr lang="en-GB" sz="1200" dirty="0">
-                <a:solidFill>
-                  <a:schemeClr val="dk1"/>
-                </a:solidFill>
-              </a:rPr>
-              <a:t>, P. S. (2016). The emotional arcs of stories are dominated by six basic shapes. </a:t>
-            </a:r>
-            <a:r>
-              <a:rPr lang="en-GB" sz="1200" i="1" dirty="0">
-                <a:solidFill>
-                  <a:schemeClr val="dk1"/>
-                </a:solidFill>
-              </a:rPr>
-              <a:t>EPJ Data Science</a:t>
-            </a:r>
-            <a:r>
-              <a:rPr lang="en-GB" sz="1200" dirty="0">
-                <a:solidFill>
-                  <a:schemeClr val="dk1"/>
-                </a:solidFill>
-              </a:rPr>
-              <a:t>, </a:t>
-            </a:r>
-            <a:r>
-              <a:rPr lang="en-GB" sz="1200" i="1" dirty="0">
-                <a:solidFill>
-                  <a:schemeClr val="dk1"/>
-                </a:solidFill>
-              </a:rPr>
-              <a:t>5</a:t>
-            </a:r>
-            <a:r>
-              <a:rPr lang="en-GB" sz="1200" dirty="0">
-                <a:solidFill>
-                  <a:schemeClr val="dk1"/>
-                </a:solidFill>
-              </a:rPr>
-              <a:t>(1): 31.</a:t>
-            </a:r>
-            <a:endParaRPr lang="en-GB" sz="1200" dirty="0">
-              <a:latin typeface="Calibri"/>
-              <a:ea typeface="Calibri"/>
-              <a:cs typeface="Calibri"/>
-              <a:sym typeface="Calibri"/>
-            </a:endParaRPr>
-          </a:p>
-          <a:p>
-            <a:endParaRPr lang="en-GB" sz="1200" dirty="0"/>
+              <a:rPr lang="en-GB" dirty="0"/>
+              <a:t>, P. S. (2016</a:t>
+            </a:r>
+            <a:r>
+              <a:rPr lang="en-GB" i="1" dirty="0"/>
+              <a:t>). The emotional arcs of stories are dominated by six basic shapes.</a:t>
+            </a:r>
+            <a:r>
+              <a:rPr lang="en-GB" dirty="0"/>
+              <a:t> EPJ Data Science, 5(1): 31.</a:t>
+            </a:r>
+          </a:p>
+          <a:p>
+            <a:pPr>
+              <a:lnSpc>
+                <a:spcPct val="120000"/>
+              </a:lnSpc>
+              <a:buFont typeface="Arial" panose="020B0604020202020204" pitchFamily="34" charset="0"/>
+              <a:buChar char="•"/>
+            </a:pPr>
+            <a:endParaRPr lang="en-GB" dirty="0"/>
           </a:p>
         </p:txBody>
       </p:sp>
@@ -24649,7 +24920,7 @@
 </p:sld>
 </file>
 
-<file path=ppt/slides/slide5.xml><?xml version="1.0" encoding="utf-8"?>
+<file path=ppt/slides/slide6.xml><?xml version="1.0" encoding="utf-8"?>
 <p:sld xmlns:a="http://schemas.openxmlformats.org/drawingml/2006/main" xmlns:r="http://schemas.openxmlformats.org/officeDocument/2006/relationships" xmlns:p="http://schemas.openxmlformats.org/presentationml/2006/main">
   <p:cSld>
     <p:spTree>
@@ -24696,49 +24967,49 @@
       </p:pic>
       <p:sp>
         <p:nvSpPr>
-          <p:cNvPr id="240" name="Google Shape;240;p36"/>
-          <p:cNvSpPr txBox="1"/>
-          <p:nvPr/>
+          <p:cNvPr id="2" name="Google Shape;234;p35">
+            <a:extLst>
+              <a:ext uri="{FF2B5EF4-FFF2-40B4-BE49-F238E27FC236}">
+                <a16:creationId xmlns:a16="http://schemas.microsoft.com/office/drawing/2014/main" id="{9D6CF3DF-42BC-CE31-9A98-CC608C84601D}"/>
+              </a:ext>
+            </a:extLst>
+          </p:cNvPr>
+          <p:cNvSpPr txBox="1">
+            <a:spLocks noGrp="1"/>
+          </p:cNvSpPr>
+          <p:nvPr>
+            <p:ph type="title"/>
+          </p:nvPr>
         </p:nvSpPr>
         <p:spPr>
           <a:xfrm>
-            <a:off x="453700" y="1929000"/>
-            <a:ext cx="2472380" cy="2995697"/>
+            <a:off x="381001" y="2528686"/>
+            <a:ext cx="2910098" cy="1800627"/>
           </a:xfrm>
-          <a:prstGeom prst="rect">
-            <a:avLst/>
-          </a:prstGeom>
           <a:noFill/>
           <a:ln>
             <a:noFill/>
           </a:ln>
         </p:spPr>
         <p:txBody>
-          <a:bodyPr spcFirstLastPara="1" wrap="square" lIns="91433" tIns="91433" rIns="91433" bIns="91433" anchor="t" anchorCtr="0">
-            <a:noAutofit/>
+          <a:bodyPr spcFirstLastPara="1" vert="horz" wrap="square" lIns="91433" tIns="45700" rIns="91433" bIns="45700" rtlCol="0" anchor="ctr" anchorCtr="0">
+            <a:normAutofit fontScale="90000"/>
           </a:bodyPr>
           <a:lstStyle/>
           <a:p>
             <a:r>
-              <a:rPr lang="it" dirty="0">
-                <a:solidFill>
-                  <a:schemeClr val="bg1"/>
-                </a:solidFill>
-              </a:rPr>
-              <a:t>Andrew J Reagan et al. 2016. “The emotional arcs of stories are dominated by six basic shapes.” </a:t>
-            </a:r>
-            <a:r>
-              <a:rPr lang="it" i="1" dirty="0">
-                <a:solidFill>
-                  <a:schemeClr val="bg1"/>
-                </a:solidFill>
-              </a:rPr>
-              <a:t>EPJ Data Science</a:t>
-            </a:r>
-            <a:endParaRPr i="1" dirty="0">
-              <a:solidFill>
-                <a:schemeClr val="bg1"/>
-              </a:solidFill>
+              <a:rPr lang="en-GB" dirty="0"/>
+              <a:t>SENTIMENT ANALYSIS</a:t>
+            </a:r>
+            <a:br>
+              <a:rPr lang="en-GB" dirty="0"/>
+            </a:br>
+            <a:r>
+              <a:rPr lang="en-GB" dirty="0"/>
+              <a:t>applications</a:t>
+            </a:r>
+            <a:endParaRPr lang="en-GB" dirty="0">
+              <a:sym typeface="Arial"/>
             </a:endParaRPr>
           </a:p>
         </p:txBody>
@@ -24751,12 +25022,12 @@
 </p:sld>
 </file>
 
-<file path=ppt/slides/slide6.xml><?xml version="1.0" encoding="utf-8"?>
+<file path=ppt/slides/slide7.xml><?xml version="1.0" encoding="utf-8"?>
 <p:sld xmlns:a="http://schemas.openxmlformats.org/drawingml/2006/main" xmlns:r="http://schemas.openxmlformats.org/officeDocument/2006/relationships" xmlns:p="http://schemas.openxmlformats.org/presentationml/2006/main">
   <p:cSld>
     <p:spTree>
       <p:nvGrpSpPr>
-        <p:cNvPr id="1" name="Shape 218"/>
+        <p:cNvPr id="1" name=""/>
         <p:cNvGrpSpPr/>
         <p:nvPr/>
       </p:nvGrpSpPr>
@@ -24770,19 +25041,104 @@
       </p:grpSpPr>
       <p:sp>
         <p:nvSpPr>
-          <p:cNvPr id="224" name="Google Shape;224;p34"/>
-          <p:cNvSpPr txBox="1">
+          <p:cNvPr id="4" name="Slide Number Placeholder 3">
+            <a:extLst>
+              <a:ext uri="{FF2B5EF4-FFF2-40B4-BE49-F238E27FC236}">
+                <a16:creationId xmlns:a16="http://schemas.microsoft.com/office/drawing/2014/main" id="{7D820560-3179-71DB-8DB8-1CB3999736E5}"/>
+              </a:ext>
+            </a:extLst>
+          </p:cNvPr>
+          <p:cNvSpPr>
             <a:spLocks noGrp="1"/>
           </p:cNvSpPr>
           <p:nvPr>
-            <p:ph type="title"/>
+            <p:ph type="sldNum" sz="quarter" idx="12"/>
           </p:nvPr>
+        </p:nvSpPr>
+        <p:spPr/>
+        <p:txBody>
+          <a:bodyPr/>
+          <a:lstStyle/>
+          <a:p>
+            <a:fld id="{69E57DC2-970A-4B3E-BB1C-7A09969E49DF}" type="slidenum">
+              <a:rPr lang="en-US" smtClean="0"/>
+              <a:t>8</a:t>
+            </a:fld>
+            <a:endParaRPr lang="en-US" dirty="0"/>
+          </a:p>
+        </p:txBody>
+      </p:sp>
+      <p:pic>
+        <p:nvPicPr>
+          <p:cNvPr id="1026" name="Picture 2">
+            <a:extLst>
+              <a:ext uri="{FF2B5EF4-FFF2-40B4-BE49-F238E27FC236}">
+                <a16:creationId xmlns:a16="http://schemas.microsoft.com/office/drawing/2014/main" id="{D8B78883-3AC5-D362-B61A-E3E0F220332C}"/>
+              </a:ext>
+            </a:extLst>
+          </p:cNvPr>
+          <p:cNvPicPr>
+            <a:picLocks noGrp="1" noChangeAspect="1" noChangeArrowheads="1"/>
+          </p:cNvPicPr>
+          <p:nvPr>
+            <p:ph idx="1"/>
+          </p:nvPr>
+        </p:nvPicPr>
+        <p:blipFill>
+          <a:blip r:embed="rId2">
+            <a:extLst>
+              <a:ext uri="{28A0092B-C50C-407E-A947-70E740481C1C}">
+                <a14:useLocalDpi xmlns:a14="http://schemas.microsoft.com/office/drawing/2010/main" val="0"/>
+              </a:ext>
+            </a:extLst>
+          </a:blip>
+          <a:srcRect/>
+          <a:stretch>
+            <a:fillRect/>
+          </a:stretch>
+        </p:blipFill>
+        <p:spPr bwMode="auto">
+          <a:xfrm>
+            <a:off x="3833813" y="870307"/>
+            <a:ext cx="7977187" cy="4949111"/>
+          </a:xfrm>
+          <a:prstGeom prst="rect">
+            <a:avLst/>
+          </a:prstGeom>
+          <a:noFill/>
+          <a:extLst>
+            <a:ext uri="{909E8E84-426E-40DD-AFC4-6F175D3DCCD1}">
+              <a14:hiddenFill xmlns:a14="http://schemas.microsoft.com/office/drawing/2010/main">
+                <a:solidFill>
+                  <a:srgbClr val="FFFFFF"/>
+                </a:solidFill>
+              </a14:hiddenFill>
+            </a:ext>
+          </a:extLst>
+        </p:spPr>
+      </p:pic>
+      <p:sp>
+        <p:nvSpPr>
+          <p:cNvPr id="5" name="Google Shape;234;p35">
+            <a:extLst>
+              <a:ext uri="{FF2B5EF4-FFF2-40B4-BE49-F238E27FC236}">
+                <a16:creationId xmlns:a16="http://schemas.microsoft.com/office/drawing/2014/main" id="{503AC359-0F53-A103-E02B-05872FB04586}"/>
+              </a:ext>
+            </a:extLst>
+          </p:cNvPr>
+          <p:cNvSpPr txBox="1">
+            <a:spLocks/>
+          </p:cNvSpPr>
+          <p:nvPr/>
         </p:nvSpPr>
         <p:spPr>
           <a:xfrm>
-            <a:off x="1024128" y="585216"/>
-            <a:ext cx="9720072" cy="1499616"/>
+            <a:off x="381001" y="2528686"/>
+            <a:ext cx="2910098" cy="1800627"/>
           </a:xfrm>
+          <a:prstGeom prst="rect">
+            <a:avLst/>
+          </a:prstGeom>
           <a:noFill/>
           <a:ln>
             <a:noFill/>
@@ -24790,13 +25146,38 @@
         </p:spPr>
         <p:txBody>
           <a:bodyPr spcFirstLastPara="1" vert="horz" wrap="square" lIns="91433" tIns="45700" rIns="91433" bIns="45700" rtlCol="0" anchor="ctr" anchorCtr="0">
-            <a:normAutofit/>
+            <a:normAutofit fontScale="90000"/>
           </a:bodyPr>
-          <a:lstStyle/>
-          <a:p>
-            <a:r>
-              <a:rPr lang="en-GB" dirty="0"/>
-              <a:t>SENTIMENT ANALYSIS - CRITICAL ASPECTS</a:t>
+          <a:lstStyle>
+            <a:lvl1pPr algn="l" defTabSz="914400" rtl="0" eaLnBrk="1" latinLnBrk="0" hangingPunct="1">
+              <a:lnSpc>
+                <a:spcPct val="80000"/>
+              </a:lnSpc>
+              <a:spcBef>
+                <a:spcPct val="0"/>
+              </a:spcBef>
+              <a:buNone/>
+              <a:defRPr sz="5000" kern="1200" cap="all" spc="100" baseline="0">
+                <a:solidFill>
+                  <a:schemeClr val="bg1"/>
+                </a:solidFill>
+                <a:latin typeface="+mj-lt"/>
+                <a:ea typeface="+mj-ea"/>
+                <a:cs typeface="+mj-cs"/>
+              </a:defRPr>
+            </a:lvl1pPr>
+          </a:lstStyle>
+          <a:p>
+            <a:r>
+              <a:rPr lang="en-GB"/>
+              <a:t>SENTIMENT ANALYSIS</a:t>
+            </a:r>
+            <a:br>
+              <a:rPr lang="en-GB"/>
+            </a:br>
+            <a:r>
+              <a:rPr lang="en-GB"/>
+              <a:t>applications</a:t>
             </a:r>
             <a:endParaRPr lang="en-GB" dirty="0">
               <a:sym typeface="Arial"/>
@@ -24806,127 +25187,48 @@
       </p:sp>
       <p:sp>
         <p:nvSpPr>
-          <p:cNvPr id="3" name="Content Placeholder 2">
+          <p:cNvPr id="7" name="TextBox 6">
             <a:extLst>
               <a:ext uri="{FF2B5EF4-FFF2-40B4-BE49-F238E27FC236}">
-                <a16:creationId xmlns:a16="http://schemas.microsoft.com/office/drawing/2014/main" id="{533B17AF-ECFA-640A-91AA-949D87610F07}"/>
+                <a16:creationId xmlns:a16="http://schemas.microsoft.com/office/drawing/2014/main" id="{DDEB0815-ACC4-D6D1-7142-034323EE5E87}"/>
               </a:ext>
             </a:extLst>
           </p:cNvPr>
-          <p:cNvSpPr>
-            <a:spLocks noGrp="1"/>
-          </p:cNvSpPr>
-          <p:nvPr>
-            <p:ph idx="1"/>
-          </p:nvPr>
+          <p:cNvSpPr txBox="1"/>
+          <p:nvPr/>
         </p:nvSpPr>
-        <p:spPr/>
+        <p:spPr>
+          <a:xfrm>
+            <a:off x="4464230" y="5849193"/>
+            <a:ext cx="7242267" cy="276999"/>
+          </a:xfrm>
+          <a:prstGeom prst="rect">
+            <a:avLst/>
+          </a:prstGeom>
+          <a:noFill/>
+        </p:spPr>
         <p:txBody>
-          <a:bodyPr>
-            <a:normAutofit fontScale="92500" lnSpcReduction="20000"/>
+          <a:bodyPr wrap="square">
+            <a:spAutoFit/>
           </a:bodyPr>
           <a:lstStyle/>
           <a:p>
             <a:r>
-              <a:rPr lang="en-GB" sz="1800" dirty="0"/>
-              <a:t>From a </a:t>
-            </a:r>
-            <a:r>
-              <a:rPr lang="en-GB" sz="1800" b="1" dirty="0"/>
-              <a:t>theoretical point of view:</a:t>
-            </a:r>
-            <a:endParaRPr lang="en-GB" sz="1800" dirty="0"/>
-          </a:p>
-          <a:p>
-            <a:pPr marL="457189" indent="-372524">
-              <a:buSzPts val="1800"/>
-              <a:buChar char="●"/>
-            </a:pPr>
-            <a:r>
-              <a:rPr lang="en-GB" sz="1800" dirty="0"/>
-              <a:t>Jockers called his software «</a:t>
-            </a:r>
-            <a:r>
-              <a:rPr lang="en-GB" sz="1800" dirty="0" err="1"/>
-              <a:t>syuzhet</a:t>
-            </a:r>
-            <a:r>
-              <a:rPr lang="en-GB" sz="1800" dirty="0"/>
-              <a:t>», referring to Russian formalism (see Vladimir Propp) and narratology (the “science of narration”)</a:t>
-            </a:r>
-          </a:p>
-          <a:p>
-            <a:pPr marL="457189" indent="-372524">
-              <a:buSzPts val="1800"/>
-              <a:buChar char="●"/>
-            </a:pPr>
-            <a:r>
-              <a:rPr lang="en-GB" sz="1800" dirty="0"/>
-              <a:t>However, traditional narratological studies (see Gérard Genette, </a:t>
-            </a:r>
-            <a:r>
-              <a:rPr lang="en-GB" sz="1800" dirty="0" err="1"/>
-              <a:t>Mieke</a:t>
-            </a:r>
-            <a:r>
-              <a:rPr lang="en-GB" sz="1800" dirty="0"/>
-              <a:t> Bal, et al.) do not consider emotions at all</a:t>
-            </a:r>
-          </a:p>
-          <a:p>
-            <a:pPr marL="457189" indent="-372524">
-              <a:buSzPts val="1800"/>
-              <a:buChar char="●"/>
-            </a:pPr>
-            <a:r>
-              <a:rPr lang="en-GB" sz="1800" dirty="0"/>
-              <a:t>Only Patrick Colm Hogan wrote a book on </a:t>
-            </a:r>
-            <a:r>
-              <a:rPr lang="en-GB" sz="1800" i="1" dirty="0"/>
-              <a:t>Affective Narratology </a:t>
-            </a:r>
-            <a:r>
-              <a:rPr lang="en-GB" sz="1800" dirty="0"/>
-              <a:t>(2012), but looking at much more complex phenomena than “plot arcs”</a:t>
-            </a:r>
-          </a:p>
-          <a:p>
-            <a:endParaRPr lang="en-GB" sz="1800" dirty="0"/>
-          </a:p>
-          <a:p>
-            <a:r>
-              <a:rPr lang="en-GB" sz="1800" dirty="0"/>
-              <a:t>From a </a:t>
-            </a:r>
-            <a:r>
-              <a:rPr lang="en-GB" sz="1800" b="1" dirty="0"/>
-              <a:t>practical point of view:</a:t>
-            </a:r>
-          </a:p>
-          <a:p>
-            <a:pPr marL="457189" indent="-372524">
-              <a:buSzPts val="1800"/>
-              <a:buChar char="●"/>
-            </a:pPr>
-            <a:r>
-              <a:rPr lang="en-GB" sz="1800" dirty="0"/>
-              <a:t>Emotions are subjective (of course!), so their measurement can be unreliable</a:t>
-            </a:r>
-          </a:p>
-          <a:p>
-            <a:pPr marL="457189" indent="-372524">
-              <a:buSzPts val="1800"/>
-              <a:buChar char="●"/>
-            </a:pPr>
-            <a:r>
-              <a:rPr lang="en-GB" sz="1800" dirty="0"/>
-              <a:t>SA software are generally unstable: you modify a few parameters, and you get completely different results </a:t>
-            </a:r>
+              <a:rPr lang="en-GB" sz="1200" dirty="0">
+                <a:hlinkClick r:id="rId3"/>
+              </a:rPr>
+              <a:t>https://towardsdatascience.com/analysis-of-presidential-speeches-throughout-american-history-bb088d36d7dd</a:t>
+            </a:r>
+            <a:endParaRPr lang="en-GB" sz="1200" dirty="0"/>
           </a:p>
         </p:txBody>
       </p:sp>
     </p:spTree>
+    <p:extLst>
+      <p:ext uri="{BB962C8B-B14F-4D97-AF65-F5344CB8AC3E}">
+        <p14:creationId xmlns:p14="http://schemas.microsoft.com/office/powerpoint/2010/main" val="777111988"/>
+      </p:ext>
+    </p:extLst>
   </p:cSld>
   <p:clrMapOvr>
     <a:masterClrMapping/>
@@ -24934,7 +25236,7 @@
 </p:sld>
 </file>
 
-<file path=ppt/slides/slide7.xml><?xml version="1.0" encoding="utf-8"?>
+<file path=ppt/slides/slide8.xml><?xml version="1.0" encoding="utf-8"?>
 <p:sld xmlns:a="http://schemas.openxmlformats.org/drawingml/2006/main" xmlns:r="http://schemas.openxmlformats.org/officeDocument/2006/relationships" xmlns:p="http://schemas.openxmlformats.org/presentationml/2006/main">
   <p:cSld>
     <p:spTree>
@@ -25067,7 +25369,7 @@
 </p:sld>
 </file>
 
-<file path=ppt/slides/slide8.xml><?xml version="1.0" encoding="utf-8"?>
+<file path=ppt/slides/slide9.xml><?xml version="1.0" encoding="utf-8"?>
 <p:sld xmlns:a="http://schemas.openxmlformats.org/drawingml/2006/main" xmlns:r="http://schemas.openxmlformats.org/officeDocument/2006/relationships" xmlns:p="http://schemas.openxmlformats.org/presentationml/2006/main">
   <p:cSld>
     <p:spTree>
@@ -25185,275 +25487,6 @@
   <p:clrMapOvr>
     <a:masterClrMapping/>
   </p:clrMapOvr>
-</p:sld>
-</file>
-
-<file path=ppt/slides/slide9.xml><?xml version="1.0" encoding="utf-8"?>
-<p:sld xmlns:a="http://schemas.openxmlformats.org/drawingml/2006/main" xmlns:r="http://schemas.openxmlformats.org/officeDocument/2006/relationships" xmlns:p="http://schemas.openxmlformats.org/presentationml/2006/main">
-  <p:cSld>
-    <p:spTree>
-      <p:nvGrpSpPr>
-        <p:cNvPr id="1" name="Shape 278"/>
-        <p:cNvGrpSpPr/>
-        <p:nvPr/>
-      </p:nvGrpSpPr>
-      <p:grpSpPr>
-        <a:xfrm>
-          <a:off x="0" y="0"/>
-          <a:ext cx="0" cy="0"/>
-          <a:chOff x="0" y="0"/>
-          <a:chExt cx="0" cy="0"/>
-        </a:xfrm>
-      </p:grpSpPr>
-      <p:sp>
-        <p:nvSpPr>
-          <p:cNvPr id="279" name="Google Shape;279;p40"/>
-          <p:cNvSpPr txBox="1">
-            <a:spLocks noGrp="1"/>
-          </p:cNvSpPr>
-          <p:nvPr>
-            <p:ph type="title"/>
-          </p:nvPr>
-        </p:nvSpPr>
-        <p:spPr>
-          <a:xfrm>
-            <a:off x="1024128" y="585216"/>
-            <a:ext cx="9720072" cy="1499616"/>
-          </a:xfrm>
-          <a:noFill/>
-          <a:ln>
-            <a:noFill/>
-          </a:ln>
-        </p:spPr>
-        <p:txBody>
-          <a:bodyPr spcFirstLastPara="1" vert="horz" wrap="square" lIns="91433" tIns="45700" rIns="91433" bIns="45700" rtlCol="0" anchor="ctr" anchorCtr="0">
-            <a:normAutofit/>
-          </a:bodyPr>
-          <a:lstStyle/>
-          <a:p>
-            <a:r>
-              <a:rPr lang="en-GB" dirty="0"/>
-              <a:t>EMOTION THEORIES:</a:t>
-            </a:r>
-            <a:br>
-              <a:rPr lang="en-GB" dirty="0"/>
-            </a:br>
-            <a:r>
-              <a:rPr lang="en-GB" dirty="0">
-                <a:sym typeface="Arial"/>
-              </a:rPr>
-              <a:t>2. Ekman’s Theory of (Six) Basic Emotions</a:t>
-            </a:r>
-          </a:p>
-        </p:txBody>
-      </p:sp>
-      <p:sp>
-        <p:nvSpPr>
-          <p:cNvPr id="281" name="Google Shape;281;p40"/>
-          <p:cNvSpPr/>
-          <p:nvPr/>
-        </p:nvSpPr>
-        <p:spPr>
-          <a:xfrm>
-            <a:off x="4486551" y="2835800"/>
-            <a:ext cx="6992000" cy="336000"/>
-          </a:xfrm>
-          <a:prstGeom prst="rect">
-            <a:avLst/>
-          </a:prstGeom>
-          <a:solidFill>
-            <a:srgbClr val="FFFFFF"/>
-          </a:solidFill>
-          <a:ln>
-            <a:noFill/>
-          </a:ln>
-        </p:spPr>
-        <p:txBody>
-          <a:bodyPr spcFirstLastPara="1" wrap="square" lIns="91433" tIns="91433" rIns="91433" bIns="91433" anchor="ctr" anchorCtr="0">
-            <a:noAutofit/>
-          </a:bodyPr>
-          <a:lstStyle/>
-          <a:p>
-            <a:endParaRPr sz="2400"/>
-          </a:p>
-        </p:txBody>
-      </p:sp>
-      <p:sp>
-        <p:nvSpPr>
-          <p:cNvPr id="282" name="Google Shape;282;p40"/>
-          <p:cNvSpPr/>
-          <p:nvPr/>
-        </p:nvSpPr>
-        <p:spPr>
-          <a:xfrm>
-            <a:off x="4486551" y="6513925"/>
-            <a:ext cx="6992000" cy="336000"/>
-          </a:xfrm>
-          <a:prstGeom prst="rect">
-            <a:avLst/>
-          </a:prstGeom>
-          <a:solidFill>
-            <a:srgbClr val="FFFFFF"/>
-          </a:solidFill>
-          <a:ln>
-            <a:noFill/>
-          </a:ln>
-        </p:spPr>
-        <p:txBody>
-          <a:bodyPr spcFirstLastPara="1" wrap="square" lIns="91433" tIns="91433" rIns="91433" bIns="91433" anchor="ctr" anchorCtr="0">
-            <a:noAutofit/>
-          </a:bodyPr>
-          <a:lstStyle/>
-          <a:p>
-            <a:endParaRPr sz="2400"/>
-          </a:p>
-        </p:txBody>
-      </p:sp>
-      <p:pic>
-        <p:nvPicPr>
-          <p:cNvPr id="6" name="Google Shape;280;p40">
-            <a:extLst>
-              <a:ext uri="{FF2B5EF4-FFF2-40B4-BE49-F238E27FC236}">
-                <a16:creationId xmlns:a16="http://schemas.microsoft.com/office/drawing/2014/main" id="{3F9E4B25-D47A-B378-39B8-8C1A3E3D50B7}"/>
-              </a:ext>
-            </a:extLst>
-          </p:cNvPr>
-          <p:cNvPicPr preferRelativeResize="0">
-            <a:picLocks noGrp="1"/>
-          </p:cNvPicPr>
-          <p:nvPr>
-            <p:ph idx="1"/>
-          </p:nvPr>
-        </p:nvPicPr>
-        <p:blipFill>
-          <a:blip r:embed="rId3">
-            <a:alphaModFix/>
-          </a:blip>
-          <a:stretch>
-            <a:fillRect/>
-          </a:stretch>
-        </p:blipFill>
-        <p:spPr>
-          <a:xfrm>
-            <a:off x="3757629" y="2286000"/>
-            <a:ext cx="4252880" cy="4022725"/>
-          </a:xfrm>
-          <a:prstGeom prst="rect">
-            <a:avLst/>
-          </a:prstGeom>
-          <a:noFill/>
-          <a:ln>
-            <a:noFill/>
-          </a:ln>
-        </p:spPr>
-      </p:pic>
-    </p:spTree>
-  </p:cSld>
-  <p:clrMapOvr>
-    <a:masterClrMapping/>
-  </p:clrMapOvr>
-  <p:timing>
-    <p:tnLst>
-      <p:par>
-        <p:cTn id="1" dur="indefinite" restart="never" nodeType="tmRoot">
-          <p:childTnLst>
-            <p:seq concurrent="1" nextAc="seek">
-              <p:cTn id="2" dur="indefinite" nodeType="mainSeq">
-                <p:childTnLst>
-                  <p:par>
-                    <p:cTn id="3" fill="hold">
-                      <p:stCondLst>
-                        <p:cond delay="indefinite"/>
-                      </p:stCondLst>
-                      <p:childTnLst>
-                        <p:par>
-                          <p:cTn id="4" fill="hold">
-                            <p:stCondLst>
-                              <p:cond delay="0"/>
-                            </p:stCondLst>
-                            <p:childTnLst>
-                              <p:par>
-                                <p:cTn id="5" presetID="1" presetClass="exit" presetSubtype="0" fill="hold" nodeType="clickEffect">
-                                  <p:stCondLst>
-                                    <p:cond delay="0"/>
-                                  </p:stCondLst>
-                                  <p:childTnLst>
-                                    <p:set>
-                                      <p:cBhvr>
-                                        <p:cTn id="6" dur="1" fill="hold">
-                                          <p:stCondLst>
-                                            <p:cond delay="1000"/>
-                                          </p:stCondLst>
-                                        </p:cTn>
-                                        <p:tgtEl>
-                                          <p:spTgt spid="282"/>
-                                        </p:tgtEl>
-                                        <p:attrNameLst>
-                                          <p:attrName>style.visibility</p:attrName>
-                                        </p:attrNameLst>
-                                      </p:cBhvr>
-                                      <p:to>
-                                        <p:strVal val="hidden"/>
-                                      </p:to>
-                                    </p:set>
-                                  </p:childTnLst>
-                                </p:cTn>
-                              </p:par>
-                              <p:par>
-                                <p:cTn id="7" presetID="1" presetClass="exit" presetSubtype="0" fill="hold" nodeType="withEffect">
-                                  <p:stCondLst>
-                                    <p:cond delay="0"/>
-                                  </p:stCondLst>
-                                  <p:childTnLst>
-                                    <p:set>
-                                      <p:cBhvr>
-                                        <p:cTn id="8" dur="1" fill="hold">
-                                          <p:stCondLst>
-                                            <p:cond delay="1000"/>
-                                          </p:stCondLst>
-                                        </p:cTn>
-                                        <p:tgtEl>
-                                          <p:spTgt spid="281"/>
-                                        </p:tgtEl>
-                                        <p:attrNameLst>
-                                          <p:attrName>style.visibility</p:attrName>
-                                        </p:attrNameLst>
-                                      </p:cBhvr>
-                                      <p:to>
-                                        <p:strVal val="hidden"/>
-                                      </p:to>
-                                    </p:set>
-                                  </p:childTnLst>
-                                </p:cTn>
-                              </p:par>
-                            </p:childTnLst>
-                          </p:cTn>
-                        </p:par>
-                      </p:childTnLst>
-                    </p:cTn>
-                  </p:par>
-                </p:childTnLst>
-              </p:cTn>
-              <p:prevCondLst>
-                <p:cond evt="onPrev" delay="0">
-                  <p:tgtEl>
-                    <p:sldTgt/>
-                  </p:tgtEl>
-                </p:cond>
-              </p:prevCondLst>
-              <p:nextCondLst>
-                <p:cond evt="onNext" delay="0">
-                  <p:tgtEl>
-                    <p:sldTgt/>
-                  </p:tgtEl>
-                </p:cond>
-              </p:nextCondLst>
-            </p:seq>
-          </p:childTnLst>
-        </p:cTn>
-      </p:par>
-    </p:tnLst>
-  </p:timing>
 </p:sld>
 </file>
 
